--- a/Presentazione.pptx
+++ b/Presentazione.pptx
@@ -221,7 +221,7 @@
           </a:lstStyle>
           <a:p>
             <a:fld id="{A02920F6-FBD9-4EAC-9B5D-A9A5AB9C676A}" type="datetimeFigureOut">
-              <a:t>04/12/2023</a:t>
+              <a:t>12/6/2023</a:t>
             </a:fld>
             <a:endParaRPr lang="it-IT"/>
           </a:p>
@@ -378,7 +378,7 @@
           </a:lstStyle>
           <a:p>
             <a:fld id="{01A2696D-543B-4288-BBBB-AC9471A1D562}" type="slidenum">
-              <a:t>‹N›</a:t>
+              <a:t>‹#›</a:t>
             </a:fld>
             <a:endParaRPr lang="it-IT"/>
           </a:p>
@@ -742,7 +742,7 @@
           <a:p>
             <a:fld id="{F64A8E5F-40E5-4553-9F3C-699F1A5B8145}" type="datetimeFigureOut">
               <a:rPr lang="de-DE" smtClean="0"/>
-              <a:t>04.12.2023</a:t>
+              <a:t>06.12.2023</a:t>
             </a:fld>
             <a:endParaRPr lang="de-DE"/>
           </a:p>
@@ -784,7 +784,7 @@
           <a:p>
             <a:fld id="{66CD45B7-DFE2-4393-8D37-380FC36BF3AA}" type="slidenum">
               <a:rPr lang="de-DE" smtClean="0"/>
-              <a:t>‹N›</a:t>
+              <a:t>‹#›</a:t>
             </a:fld>
             <a:endParaRPr lang="de-DE"/>
           </a:p>
@@ -912,7 +912,7 @@
           <a:p>
             <a:fld id="{F64A8E5F-40E5-4553-9F3C-699F1A5B8145}" type="datetimeFigureOut">
               <a:rPr lang="de-DE" smtClean="0"/>
-              <a:t>04.12.2023</a:t>
+              <a:t>06.12.2023</a:t>
             </a:fld>
             <a:endParaRPr lang="de-DE"/>
           </a:p>
@@ -954,7 +954,7 @@
           <a:p>
             <a:fld id="{66CD45B7-DFE2-4393-8D37-380FC36BF3AA}" type="slidenum">
               <a:rPr lang="de-DE" smtClean="0"/>
-              <a:t>‹N›</a:t>
+              <a:t>‹#›</a:t>
             </a:fld>
             <a:endParaRPr lang="de-DE"/>
           </a:p>
@@ -1092,7 +1092,7 @@
           <a:p>
             <a:fld id="{F64A8E5F-40E5-4553-9F3C-699F1A5B8145}" type="datetimeFigureOut">
               <a:rPr lang="de-DE" smtClean="0"/>
-              <a:t>04.12.2023</a:t>
+              <a:t>06.12.2023</a:t>
             </a:fld>
             <a:endParaRPr lang="de-DE"/>
           </a:p>
@@ -1134,7 +1134,7 @@
           <a:p>
             <a:fld id="{66CD45B7-DFE2-4393-8D37-380FC36BF3AA}" type="slidenum">
               <a:rPr lang="de-DE" smtClean="0"/>
-              <a:t>‹N›</a:t>
+              <a:t>‹#›</a:t>
             </a:fld>
             <a:endParaRPr lang="de-DE"/>
           </a:p>
@@ -1262,7 +1262,7 @@
           <a:p>
             <a:fld id="{F64A8E5F-40E5-4553-9F3C-699F1A5B8145}" type="datetimeFigureOut">
               <a:rPr lang="de-DE" smtClean="0"/>
-              <a:t>04.12.2023</a:t>
+              <a:t>06.12.2023</a:t>
             </a:fld>
             <a:endParaRPr lang="de-DE"/>
           </a:p>
@@ -1304,7 +1304,7 @@
           <a:p>
             <a:fld id="{66CD45B7-DFE2-4393-8D37-380FC36BF3AA}" type="slidenum">
               <a:rPr lang="de-DE" smtClean="0"/>
-              <a:t>‹N›</a:t>
+              <a:t>‹#›</a:t>
             </a:fld>
             <a:endParaRPr lang="de-DE"/>
           </a:p>
@@ -1508,7 +1508,7 @@
           <a:p>
             <a:fld id="{F64A8E5F-40E5-4553-9F3C-699F1A5B8145}" type="datetimeFigureOut">
               <a:rPr lang="de-DE" smtClean="0"/>
-              <a:t>04.12.2023</a:t>
+              <a:t>06.12.2023</a:t>
             </a:fld>
             <a:endParaRPr lang="de-DE"/>
           </a:p>
@@ -1550,7 +1550,7 @@
           <a:p>
             <a:fld id="{66CD45B7-DFE2-4393-8D37-380FC36BF3AA}" type="slidenum">
               <a:rPr lang="de-DE" smtClean="0"/>
-              <a:t>‹N›</a:t>
+              <a:t>‹#›</a:t>
             </a:fld>
             <a:endParaRPr lang="de-DE"/>
           </a:p>
@@ -1740,7 +1740,7 @@
           <a:p>
             <a:fld id="{F64A8E5F-40E5-4553-9F3C-699F1A5B8145}" type="datetimeFigureOut">
               <a:rPr lang="de-DE" smtClean="0"/>
-              <a:t>04.12.2023</a:t>
+              <a:t>06.12.2023</a:t>
             </a:fld>
             <a:endParaRPr lang="de-DE"/>
           </a:p>
@@ -1782,7 +1782,7 @@
           <a:p>
             <a:fld id="{66CD45B7-DFE2-4393-8D37-380FC36BF3AA}" type="slidenum">
               <a:rPr lang="de-DE" smtClean="0"/>
-              <a:t>‹N›</a:t>
+              <a:t>‹#›</a:t>
             </a:fld>
             <a:endParaRPr lang="de-DE"/>
           </a:p>
@@ -2107,7 +2107,7 @@
           <a:p>
             <a:fld id="{F64A8E5F-40E5-4553-9F3C-699F1A5B8145}" type="datetimeFigureOut">
               <a:rPr lang="de-DE" smtClean="0"/>
-              <a:t>04.12.2023</a:t>
+              <a:t>06.12.2023</a:t>
             </a:fld>
             <a:endParaRPr lang="de-DE"/>
           </a:p>
@@ -2149,7 +2149,7 @@
           <a:p>
             <a:fld id="{66CD45B7-DFE2-4393-8D37-380FC36BF3AA}" type="slidenum">
               <a:rPr lang="de-DE" smtClean="0"/>
-              <a:t>‹N›</a:t>
+              <a:t>‹#›</a:t>
             </a:fld>
             <a:endParaRPr lang="de-DE"/>
           </a:p>
@@ -2225,7 +2225,7 @@
           <a:p>
             <a:fld id="{F64A8E5F-40E5-4553-9F3C-699F1A5B8145}" type="datetimeFigureOut">
               <a:rPr lang="de-DE" smtClean="0"/>
-              <a:t>04.12.2023</a:t>
+              <a:t>06.12.2023</a:t>
             </a:fld>
             <a:endParaRPr lang="de-DE"/>
           </a:p>
@@ -2267,7 +2267,7 @@
           <a:p>
             <a:fld id="{66CD45B7-DFE2-4393-8D37-380FC36BF3AA}" type="slidenum">
               <a:rPr lang="de-DE" smtClean="0"/>
-              <a:t>‹N›</a:t>
+              <a:t>‹#›</a:t>
             </a:fld>
             <a:endParaRPr lang="de-DE"/>
           </a:p>
@@ -2320,7 +2320,7 @@
           <a:p>
             <a:fld id="{F64A8E5F-40E5-4553-9F3C-699F1A5B8145}" type="datetimeFigureOut">
               <a:rPr lang="de-DE" smtClean="0"/>
-              <a:t>04.12.2023</a:t>
+              <a:t>06.12.2023</a:t>
             </a:fld>
             <a:endParaRPr lang="de-DE"/>
           </a:p>
@@ -2362,7 +2362,7 @@
           <a:p>
             <a:fld id="{66CD45B7-DFE2-4393-8D37-380FC36BF3AA}" type="slidenum">
               <a:rPr lang="de-DE" smtClean="0"/>
-              <a:t>‹N›</a:t>
+              <a:t>‹#›</a:t>
             </a:fld>
             <a:endParaRPr lang="de-DE"/>
           </a:p>
@@ -2597,7 +2597,7 @@
           <a:p>
             <a:fld id="{F64A8E5F-40E5-4553-9F3C-699F1A5B8145}" type="datetimeFigureOut">
               <a:rPr lang="de-DE" smtClean="0"/>
-              <a:t>04.12.2023</a:t>
+              <a:t>06.12.2023</a:t>
             </a:fld>
             <a:endParaRPr lang="de-DE"/>
           </a:p>
@@ -2639,7 +2639,7 @@
           <a:p>
             <a:fld id="{66CD45B7-DFE2-4393-8D37-380FC36BF3AA}" type="slidenum">
               <a:rPr lang="de-DE" smtClean="0"/>
-              <a:t>‹N›</a:t>
+              <a:t>‹#›</a:t>
             </a:fld>
             <a:endParaRPr lang="de-DE"/>
           </a:p>
@@ -2850,7 +2850,7 @@
           <a:p>
             <a:fld id="{F64A8E5F-40E5-4553-9F3C-699F1A5B8145}" type="datetimeFigureOut">
               <a:rPr lang="de-DE" smtClean="0"/>
-              <a:t>04.12.2023</a:t>
+              <a:t>06.12.2023</a:t>
             </a:fld>
             <a:endParaRPr lang="de-DE"/>
           </a:p>
@@ -2892,7 +2892,7 @@
           <a:p>
             <a:fld id="{66CD45B7-DFE2-4393-8D37-380FC36BF3AA}" type="slidenum">
               <a:rPr lang="de-DE" smtClean="0"/>
-              <a:t>‹N›</a:t>
+              <a:t>‹#›</a:t>
             </a:fld>
             <a:endParaRPr lang="de-DE"/>
           </a:p>
@@ -3063,7 +3063,7 @@
           <a:p>
             <a:fld id="{F64A8E5F-40E5-4553-9F3C-699F1A5B8145}" type="datetimeFigureOut">
               <a:rPr lang="de-DE" smtClean="0"/>
-              <a:t>04.12.2023</a:t>
+              <a:t>06.12.2023</a:t>
             </a:fld>
             <a:endParaRPr lang="de-DE"/>
           </a:p>
@@ -3141,9 +3141,56 @@
           <a:p>
             <a:fld id="{66CD45B7-DFE2-4393-8D37-380FC36BF3AA}" type="slidenum">
               <a:rPr lang="de-DE" smtClean="0"/>
-              <a:t>‹N›</a:t>
+              <a:t>‹#›</a:t>
             </a:fld>
             <a:endParaRPr lang="de-DE"/>
+          </a:p>
+        </p:txBody>
+      </p:sp>
+      <p:sp>
+        <p:nvSpPr>
+          <p:cNvPr id="8" name="TextBox 7">
+            <a:extLst>
+              <a:ext uri="{FF2B5EF4-FFF2-40B4-BE49-F238E27FC236}">
+                <a16:creationId xmlns:a16="http://schemas.microsoft.com/office/drawing/2014/main" id="{F0A63413-7BE8-7042-D55E-898806126D0B}"/>
+              </a:ext>
+            </a:extLst>
+          </p:cNvPr>
+          <p:cNvSpPr txBox="1"/>
+          <p:nvPr userDrawn="1">
+            <p:extLst>
+              <p:ext uri="{1162E1C5-73C7-4A58-AE30-91384D911F3F}">
+                <p184:classification xmlns:p184="http://schemas.microsoft.com/office/powerpoint/2018/4/main" val="hdr"/>
+              </p:ext>
+            </p:extLst>
+          </p:nvPr>
+        </p:nvSpPr>
+        <p:spPr>
+          <a:xfrm>
+            <a:off x="10161588" y="190500"/>
+            <a:ext cx="1874837" cy="182880"/>
+          </a:xfrm>
+          <a:prstGeom prst="rect">
+            <a:avLst/>
+          </a:prstGeom>
+        </p:spPr>
+        <p:txBody>
+          <a:bodyPr horzOverflow="overflow" lIns="0" tIns="0" rIns="0" bIns="0">
+            <a:spAutoFit/>
+          </a:bodyPr>
+          <a:lstStyle/>
+          <a:p>
+            <a:pPr algn="l"/>
+            <a:r>
+              <a:rPr lang="en-IE" sz="1200">
+                <a:solidFill>
+                  <a:srgbClr val="FF8C00"/>
+                </a:solidFill>
+                <a:latin typeface="Calibri" panose="020F0502020204030204" pitchFamily="34" charset="0"/>
+                <a:cs typeface="Calibri" panose="020F0502020204030204" pitchFamily="34" charset="0"/>
+              </a:rPr>
+              <a:t>CONFIDENTIAL &amp; RESTRICTED</a:t>
+            </a:r>
           </a:p>
         </p:txBody>
       </p:sp>
@@ -3543,6 +3590,50 @@
           </a:p>
         </p:txBody>
       </p:sp>
+      <p:sp>
+        <p:nvSpPr>
+          <p:cNvPr id="3" name="TextBox 2">
+            <a:extLst>
+              <a:ext uri="{FF2B5EF4-FFF2-40B4-BE49-F238E27FC236}">
+                <a16:creationId xmlns:a16="http://schemas.microsoft.com/office/drawing/2014/main" id="{55050805-166E-8522-885F-D2B762832ABB}"/>
+              </a:ext>
+            </a:extLst>
+          </p:cNvPr>
+          <p:cNvSpPr txBox="1"/>
+          <p:nvPr/>
+        </p:nvSpPr>
+        <p:spPr>
+          <a:xfrm>
+            <a:off x="7661709" y="6450168"/>
+            <a:ext cx="2827697" cy="369332"/>
+          </a:xfrm>
+          <a:prstGeom prst="rect">
+            <a:avLst/>
+          </a:prstGeom>
+          <a:noFill/>
+        </p:spPr>
+        <p:txBody>
+          <a:bodyPr wrap="none" rtlCol="0">
+            <a:spAutoFit/>
+          </a:bodyPr>
+          <a:lstStyle/>
+          <a:p>
+            <a:r>
+              <a:rPr lang="en-US" dirty="0"/>
+              <a:t>Silvia </a:t>
+            </a:r>
+            <a:r>
+              <a:rPr lang="en-US" dirty="0" err="1"/>
+              <a:t>Franzè</a:t>
+            </a:r>
+            <a:r>
+              <a:rPr lang="en-US" dirty="0"/>
+              <a:t> – Data Scientist</a:t>
+            </a:r>
+            <a:endParaRPr lang="en-IE" dirty="0"/>
+          </a:p>
+        </p:txBody>
+      </p:sp>
     </p:spTree>
     <p:extLst>
       <p:ext uri="{BB962C8B-B14F-4D97-AF65-F5344CB8AC3E}">
@@ -3584,6 +3675,240 @@
           <a:chExt cx="0" cy="0"/>
         </a:xfrm>
       </p:grpSpPr>
+      <p:sp>
+        <p:nvSpPr>
+          <p:cNvPr id="2" name="Rectangle 1">
+            <a:extLst>
+              <a:ext uri="{FF2B5EF4-FFF2-40B4-BE49-F238E27FC236}">
+                <a16:creationId xmlns:a16="http://schemas.microsoft.com/office/drawing/2014/main" id="{BFE6B0E0-0511-65E5-95F1-6E126B7F9208}"/>
+              </a:ext>
+            </a:extLst>
+          </p:cNvPr>
+          <p:cNvSpPr>
+            <a:spLocks noChangeArrowheads="1"/>
+          </p:cNvSpPr>
+          <p:nvPr/>
+        </p:nvSpPr>
+        <p:spPr bwMode="auto">
+          <a:xfrm>
+            <a:off x="1867301" y="2600234"/>
+            <a:ext cx="7064943" cy="1200329"/>
+          </a:xfrm>
+          <a:prstGeom prst="rect">
+            <a:avLst/>
+          </a:prstGeom>
+          <a:noFill/>
+          <a:ln>
+            <a:noFill/>
+          </a:ln>
+          <a:effectLst/>
+          <a:extLst>
+            <a:ext uri="{909E8E84-426E-40DD-AFC4-6F175D3DCCD1}">
+              <a14:hiddenFill xmlns:a14="http://schemas.microsoft.com/office/drawing/2010/main">
+                <a:solidFill>
+                  <a:schemeClr val="accent1"/>
+                </a:solidFill>
+              </a14:hiddenFill>
+            </a:ext>
+            <a:ext uri="{91240B29-F687-4F45-9708-019B960494DF}">
+              <a14:hiddenLine xmlns:a14="http://schemas.microsoft.com/office/drawing/2010/main" w="9525">
+                <a:solidFill>
+                  <a:schemeClr val="tx1"/>
+                </a:solidFill>
+                <a:miter lim="800000"/>
+                <a:headEnd/>
+                <a:tailEnd/>
+              </a14:hiddenLine>
+            </a:ext>
+            <a:ext uri="{AF507438-7753-43E0-B8FC-AC1667EBCBE1}">
+              <a14:hiddenEffects xmlns:a14="http://schemas.microsoft.com/office/drawing/2010/main">
+                <a:effectLst>
+                  <a:outerShdw dist="35921" dir="2700000" algn="ctr" rotWithShape="0">
+                    <a:schemeClr val="bg2"/>
+                  </a:outerShdw>
+                </a:effectLst>
+              </a14:hiddenEffects>
+            </a:ext>
+          </a:extLst>
+        </p:spPr>
+        <p:txBody>
+          <a:bodyPr vert="horz" wrap="square" lIns="91440" tIns="45720" rIns="91440" bIns="45720" numCol="1" anchor="ctr" anchorCtr="0" compatLnSpc="1">
+            <a:prstTxWarp prst="textNoShape">
+              <a:avLst/>
+            </a:prstTxWarp>
+            <a:spAutoFit/>
+          </a:bodyPr>
+          <a:lstStyle/>
+          <a:p>
+            <a:pPr marL="0" marR="0" lvl="0" indent="0" algn="l" defTabSz="914400" rtl="0" eaLnBrk="0" fontAlgn="base" latinLnBrk="0" hangingPunct="0">
+              <a:lnSpc>
+                <a:spcPct val="100000"/>
+              </a:lnSpc>
+              <a:spcBef>
+                <a:spcPct val="0"/>
+              </a:spcBef>
+              <a:spcAft>
+                <a:spcPct val="0"/>
+              </a:spcAft>
+              <a:buClrTx/>
+              <a:buSzTx/>
+              <a:buFontTx/>
+              <a:buChar char="•"/>
+              <a:tabLst/>
+            </a:pPr>
+            <a:r>
+              <a:rPr kumimoji="0" lang="en-US" altLang="en-US" sz="1800" b="1" i="0" u="none" strike="noStrike" cap="none" normalizeH="0" baseline="0" dirty="0">
+                <a:ln>
+                  <a:noFill/>
+                </a:ln>
+                <a:solidFill>
+                  <a:schemeClr val="tx1"/>
+                </a:solidFill>
+                <a:effectLst/>
+                <a:latin typeface="Arial" panose="020B0604020202020204" pitchFamily="34" charset="0"/>
+              </a:rPr>
+              <a:t>Slide 10</a:t>
+            </a:r>
+            <a:r>
+              <a:rPr kumimoji="0" lang="en-US" altLang="en-US" sz="1800" b="0" i="0" u="none" strike="noStrike" cap="none" normalizeH="0" baseline="0" dirty="0">
+                <a:ln>
+                  <a:noFill/>
+                </a:ln>
+                <a:solidFill>
+                  <a:schemeClr val="tx1"/>
+                </a:solidFill>
+                <a:effectLst/>
+                <a:latin typeface="Arial" panose="020B0604020202020204" pitchFamily="34" charset="0"/>
+              </a:rPr>
+              <a:t>: Force et Waterfall Plots</a:t>
+            </a:r>
+          </a:p>
+          <a:p>
+            <a:pPr marL="0" marR="0" lvl="0" indent="0" algn="l" defTabSz="914400" rtl="0" eaLnBrk="0" fontAlgn="base" latinLnBrk="0" hangingPunct="0">
+              <a:lnSpc>
+                <a:spcPct val="100000"/>
+              </a:lnSpc>
+              <a:spcBef>
+                <a:spcPct val="0"/>
+              </a:spcBef>
+              <a:spcAft>
+                <a:spcPct val="0"/>
+              </a:spcAft>
+              <a:buClrTx/>
+              <a:buSzTx/>
+              <a:buFontTx/>
+              <a:buChar char="•"/>
+              <a:tabLst/>
+            </a:pPr>
+            <a:r>
+              <a:rPr kumimoji="0" lang="en-US" altLang="en-US" sz="1800" b="0" i="0" u="none" strike="noStrike" cap="none" normalizeH="0" baseline="0" dirty="0" err="1">
+                <a:ln>
+                  <a:noFill/>
+                </a:ln>
+                <a:solidFill>
+                  <a:schemeClr val="tx1"/>
+                </a:solidFill>
+                <a:effectLst/>
+                <a:latin typeface="Arial" panose="020B0604020202020204" pitchFamily="34" charset="0"/>
+              </a:rPr>
+              <a:t>Exemples</a:t>
+            </a:r>
+            <a:r>
+              <a:rPr kumimoji="0" lang="en-US" altLang="en-US" sz="1800" b="0" i="0" u="none" strike="noStrike" cap="none" normalizeH="0" baseline="0" dirty="0">
+                <a:ln>
+                  <a:noFill/>
+                </a:ln>
+                <a:solidFill>
+                  <a:schemeClr val="tx1"/>
+                </a:solidFill>
+                <a:effectLst/>
+                <a:latin typeface="Arial" panose="020B0604020202020204" pitchFamily="34" charset="0"/>
+              </a:rPr>
+              <a:t> de force plot et waterfall plot avec </a:t>
+            </a:r>
+            <a:r>
+              <a:rPr kumimoji="0" lang="en-US" altLang="en-US" sz="1800" b="0" i="0" u="none" strike="noStrike" cap="none" normalizeH="0" baseline="0" dirty="0" err="1">
+                <a:ln>
+                  <a:noFill/>
+                </a:ln>
+                <a:solidFill>
+                  <a:schemeClr val="tx1"/>
+                </a:solidFill>
+                <a:effectLst/>
+                <a:latin typeface="Arial" panose="020B0604020202020204" pitchFamily="34" charset="0"/>
+              </a:rPr>
+              <a:t>interprétations</a:t>
+            </a:r>
+            <a:r>
+              <a:rPr kumimoji="0" lang="en-US" altLang="en-US" sz="1800" b="0" i="0" u="none" strike="noStrike" cap="none" normalizeH="0" baseline="0" dirty="0">
+                <a:ln>
+                  <a:noFill/>
+                </a:ln>
+                <a:solidFill>
+                  <a:schemeClr val="tx1"/>
+                </a:solidFill>
+                <a:effectLst/>
+                <a:latin typeface="Arial" panose="020B0604020202020204" pitchFamily="34" charset="0"/>
+              </a:rPr>
+              <a:t> </a:t>
+            </a:r>
+            <a:r>
+              <a:rPr kumimoji="0" lang="en-US" altLang="en-US" sz="1800" b="0" i="0" u="none" strike="noStrike" cap="none" normalizeH="0" baseline="0" dirty="0" err="1">
+                <a:ln>
+                  <a:noFill/>
+                </a:ln>
+                <a:solidFill>
+                  <a:schemeClr val="tx1"/>
+                </a:solidFill>
+                <a:effectLst/>
+                <a:latin typeface="Arial" panose="020B0604020202020204" pitchFamily="34" charset="0"/>
+              </a:rPr>
+              <a:t>spécifiques</a:t>
+            </a:r>
+            <a:r>
+              <a:rPr kumimoji="0" lang="en-US" altLang="en-US" sz="1800" b="0" i="0" u="none" strike="noStrike" cap="none" normalizeH="0" baseline="0" dirty="0">
+                <a:ln>
+                  <a:noFill/>
+                </a:ln>
+                <a:solidFill>
+                  <a:schemeClr val="tx1"/>
+                </a:solidFill>
+                <a:effectLst/>
+                <a:latin typeface="Arial" panose="020B0604020202020204" pitchFamily="34" charset="0"/>
+              </a:rPr>
+              <a:t>.</a:t>
+            </a:r>
+          </a:p>
+          <a:p>
+            <a:pPr marL="0" marR="0" lvl="0" indent="0" algn="l" defTabSz="914400" rtl="0" eaLnBrk="0" fontAlgn="base" latinLnBrk="0" hangingPunct="0">
+              <a:lnSpc>
+                <a:spcPct val="100000"/>
+              </a:lnSpc>
+              <a:spcBef>
+                <a:spcPct val="0"/>
+              </a:spcBef>
+              <a:spcAft>
+                <a:spcPct val="0"/>
+              </a:spcAft>
+              <a:buClrTx/>
+              <a:buSzTx/>
+              <a:buFontTx/>
+              <a:buNone/>
+              <a:tabLst/>
+            </a:pPr>
+            <a:endParaRPr kumimoji="0" lang="en-US" altLang="en-US" sz="1800" b="0" i="0" u="none" strike="noStrike" cap="none" normalizeH="0" baseline="0" dirty="0">
+              <a:ln>
+                <a:noFill/>
+              </a:ln>
+              <a:solidFill>
+                <a:schemeClr val="tx1"/>
+              </a:solidFill>
+              <a:effectLst/>
+              <a:latin typeface="Arial" panose="020B0604020202020204" pitchFamily="34" charset="0"/>
+            </a:endParaRPr>
+          </a:p>
+        </p:txBody>
+      </p:sp>
     </p:spTree>
     <p:extLst>
       <p:ext uri="{BB962C8B-B14F-4D97-AF65-F5344CB8AC3E}">
@@ -3598,7 +3923,7 @@
 </file>
 
 <file path=ppt/slides/slide11.xml><?xml version="1.0" encoding="utf-8"?>
-<p:sld xmlns:a="http://schemas.openxmlformats.org/drawingml/2006/main" xmlns:r="http://schemas.openxmlformats.org/officeDocument/2006/relationships" xmlns:p="http://schemas.openxmlformats.org/presentationml/2006/main">
+<p:sld xmlns:a="http://schemas.openxmlformats.org/drawingml/2006/main" xmlns:r="http://schemas.openxmlformats.org/officeDocument/2006/relationships" xmlns:p="http://schemas.openxmlformats.org/presentationml/2006/main" show="0">
   <p:cSld>
     <p:bg>
       <p:bgPr>
@@ -3752,10 +4077,34 @@
           <a:lstStyle/>
           <a:p>
             <a:r>
-              <a:rPr lang="en-US" b="1">
+              <a:rPr lang="en-US" b="1" dirty="0">
                 <a:latin typeface="Söhne"/>
               </a:rPr>
-              <a:t>Slide 12-13: Présentation du Pipeline de Déploiement (2 minutes)</a:t>
+              <a:t>Slide 12: </a:t>
+            </a:r>
+            <a:r>
+              <a:rPr lang="en-US" b="1" dirty="0" err="1">
+                <a:latin typeface="Söhne"/>
+              </a:rPr>
+              <a:t>Présentation</a:t>
+            </a:r>
+            <a:r>
+              <a:rPr lang="en-US" b="1" dirty="0">
+                <a:latin typeface="Söhne"/>
+              </a:rPr>
+              <a:t> du Pipeline de </a:t>
+            </a:r>
+            <a:r>
+              <a:rPr lang="en-US" b="1" dirty="0" err="1">
+                <a:latin typeface="Söhne"/>
+              </a:rPr>
+              <a:t>Déploiement</a:t>
+            </a:r>
+            <a:r>
+              <a:rPr lang="en-US" b="1" dirty="0">
+                <a:latin typeface="Söhne"/>
+              </a:rPr>
+              <a:t> (2 minutes)</a:t>
             </a:r>
           </a:p>
           <a:p>
@@ -3763,14 +4112,371 @@
               <a:buChar char="•"/>
             </a:pPr>
             <a:r>
-              <a:rPr lang="en-US">
+              <a:rPr lang="en-US" dirty="0">
                 <a:solidFill>
                   <a:srgbClr val="D1D5DB"/>
                 </a:solidFill>
                 <a:latin typeface="Söhne"/>
               </a:rPr>
-              <a:t>Explication du pipeline de déploiement : Git, GitHub, tests unitaires</a:t>
-            </a:r>
+              <a:t>Explication du </a:t>
+            </a:r>
+            <a:r>
+              <a:rPr lang="en-US" dirty="0" err="1">
+                <a:latin typeface="Arial" panose="020B0604020202020204" pitchFamily="34" charset="0"/>
+              </a:rPr>
+              <a:t>d</a:t>
+            </a:r>
+            <a:r>
+              <a:rPr kumimoji="0" lang="en-US" altLang="en-US" sz="1800" b="0" i="0" u="none" strike="noStrike" cap="none" normalizeH="0" baseline="0" dirty="0" err="1">
+                <a:ln>
+                  <a:noFill/>
+                </a:ln>
+                <a:solidFill>
+                  <a:schemeClr val="tx1"/>
+                </a:solidFill>
+                <a:effectLst/>
+                <a:latin typeface="Arial" panose="020B0604020202020204" pitchFamily="34" charset="0"/>
+              </a:rPr>
+              <a:t>iagramme</a:t>
+            </a:r>
+            <a:r>
+              <a:rPr kumimoji="0" lang="en-US" altLang="en-US" sz="1800" b="0" i="0" u="none" strike="noStrike" cap="none" normalizeH="0" baseline="0" dirty="0">
+                <a:ln>
+                  <a:noFill/>
+                </a:ln>
+                <a:solidFill>
+                  <a:schemeClr val="tx1"/>
+                </a:solidFill>
+                <a:effectLst/>
+                <a:latin typeface="Arial" panose="020B0604020202020204" pitchFamily="34" charset="0"/>
+              </a:rPr>
+              <a:t> du pipeline</a:t>
+            </a:r>
+            <a:r>
+              <a:rPr lang="en-US" dirty="0">
+                <a:solidFill>
+                  <a:srgbClr val="D1D5DB"/>
+                </a:solidFill>
+                <a:latin typeface="Söhne"/>
+              </a:rPr>
+              <a:t> pipeline de </a:t>
+            </a:r>
+            <a:r>
+              <a:rPr lang="en-US" dirty="0" err="1">
+                <a:solidFill>
+                  <a:srgbClr val="D1D5DB"/>
+                </a:solidFill>
+                <a:latin typeface="Söhne"/>
+              </a:rPr>
+              <a:t>déploiement</a:t>
+            </a:r>
+            <a:r>
+              <a:rPr lang="en-US" dirty="0">
+                <a:solidFill>
+                  <a:srgbClr val="D1D5DB"/>
+                </a:solidFill>
+                <a:latin typeface="Söhne"/>
+              </a:rPr>
+              <a:t> : Git, GitHub, tests </a:t>
+            </a:r>
+            <a:r>
+              <a:rPr lang="en-US" dirty="0" err="1">
+                <a:solidFill>
+                  <a:srgbClr val="D1D5DB"/>
+                </a:solidFill>
+                <a:latin typeface="Söhne"/>
+              </a:rPr>
+              <a:t>unitaires</a:t>
+            </a:r>
+            <a:endParaRPr lang="en-US" dirty="0">
+              <a:solidFill>
+                <a:srgbClr val="D1D5DB"/>
+              </a:solidFill>
+              <a:latin typeface="Söhne"/>
+            </a:endParaRPr>
+          </a:p>
+        </p:txBody>
+      </p:sp>
+      <p:sp>
+        <p:nvSpPr>
+          <p:cNvPr id="3" name="Rectangle 1">
+            <a:extLst>
+              <a:ext uri="{FF2B5EF4-FFF2-40B4-BE49-F238E27FC236}">
+                <a16:creationId xmlns:a16="http://schemas.microsoft.com/office/drawing/2014/main" id="{EC38E2DF-1869-F035-8F0E-FA6A6738A7AC}"/>
+              </a:ext>
+            </a:extLst>
+          </p:cNvPr>
+          <p:cNvSpPr>
+            <a:spLocks noChangeArrowheads="1"/>
+          </p:cNvSpPr>
+          <p:nvPr/>
+        </p:nvSpPr>
+        <p:spPr bwMode="auto">
+          <a:xfrm>
+            <a:off x="0" y="438297"/>
+            <a:ext cx="8941869" cy="923330"/>
+          </a:xfrm>
+          <a:prstGeom prst="rect">
+            <a:avLst/>
+          </a:prstGeom>
+          <a:noFill/>
+          <a:ln>
+            <a:noFill/>
+          </a:ln>
+          <a:effectLst/>
+          <a:extLst>
+            <a:ext uri="{909E8E84-426E-40DD-AFC4-6F175D3DCCD1}">
+              <a14:hiddenFill xmlns:a14="http://schemas.microsoft.com/office/drawing/2010/main">
+                <a:solidFill>
+                  <a:schemeClr val="accent1"/>
+                </a:solidFill>
+              </a14:hiddenFill>
+            </a:ext>
+            <a:ext uri="{91240B29-F687-4F45-9708-019B960494DF}">
+              <a14:hiddenLine xmlns:a14="http://schemas.microsoft.com/office/drawing/2010/main" w="9525">
+                <a:solidFill>
+                  <a:schemeClr val="tx1"/>
+                </a:solidFill>
+                <a:miter lim="800000"/>
+                <a:headEnd/>
+                <a:tailEnd/>
+              </a14:hiddenLine>
+            </a:ext>
+            <a:ext uri="{AF507438-7753-43E0-B8FC-AC1667EBCBE1}">
+              <a14:hiddenEffects xmlns:a14="http://schemas.microsoft.com/office/drawing/2010/main">
+                <a:effectLst>
+                  <a:outerShdw dist="35921" dir="2700000" algn="ctr" rotWithShape="0">
+                    <a:schemeClr val="bg2"/>
+                  </a:outerShdw>
+                </a:effectLst>
+              </a14:hiddenEffects>
+            </a:ext>
+          </a:extLst>
+        </p:spPr>
+        <p:txBody>
+          <a:bodyPr vert="horz" wrap="square" lIns="91440" tIns="45720" rIns="91440" bIns="45720" numCol="1" anchor="ctr" anchorCtr="0" compatLnSpc="1">
+            <a:prstTxWarp prst="textNoShape">
+              <a:avLst/>
+            </a:prstTxWarp>
+            <a:spAutoFit/>
+          </a:bodyPr>
+          <a:lstStyle/>
+          <a:p>
+            <a:pPr marL="0" marR="0" lvl="0" indent="0" algn="l" defTabSz="914400" rtl="0" eaLnBrk="0" fontAlgn="base" latinLnBrk="0" hangingPunct="0">
+              <a:lnSpc>
+                <a:spcPct val="100000"/>
+              </a:lnSpc>
+              <a:spcBef>
+                <a:spcPct val="0"/>
+              </a:spcBef>
+              <a:spcAft>
+                <a:spcPct val="0"/>
+              </a:spcAft>
+              <a:buClrTx/>
+              <a:buSzTx/>
+              <a:buFontTx/>
+              <a:buChar char="•"/>
+              <a:tabLst/>
+            </a:pPr>
+            <a:r>
+              <a:rPr kumimoji="0" lang="en-US" altLang="en-US" sz="1800" b="1" i="0" u="none" strike="noStrike" cap="none" normalizeH="0" baseline="0" dirty="0">
+                <a:ln>
+                  <a:noFill/>
+                </a:ln>
+                <a:solidFill>
+                  <a:schemeClr val="tx1"/>
+                </a:solidFill>
+                <a:effectLst/>
+                <a:latin typeface="Arial" panose="020B0604020202020204" pitchFamily="34" charset="0"/>
+              </a:rPr>
+              <a:t>Slide 12</a:t>
+            </a:r>
+            <a:r>
+              <a:rPr kumimoji="0" lang="en-US" altLang="en-US" sz="1800" b="0" i="0" u="none" strike="noStrike" cap="none" normalizeH="0" baseline="0" dirty="0">
+                <a:ln>
+                  <a:noFill/>
+                </a:ln>
+                <a:solidFill>
+                  <a:schemeClr val="tx1"/>
+                </a:solidFill>
+                <a:effectLst/>
+                <a:latin typeface="Arial" panose="020B0604020202020204" pitchFamily="34" charset="0"/>
+              </a:rPr>
+              <a:t>: </a:t>
+            </a:r>
+            <a:r>
+              <a:rPr kumimoji="0" lang="en-US" altLang="en-US" sz="1800" b="0" i="0" u="none" strike="noStrike" cap="none" normalizeH="0" baseline="0" dirty="0" err="1">
+                <a:ln>
+                  <a:noFill/>
+                </a:ln>
+                <a:solidFill>
+                  <a:schemeClr val="tx1"/>
+                </a:solidFill>
+                <a:effectLst/>
+                <a:latin typeface="Arial" panose="020B0604020202020204" pitchFamily="34" charset="0"/>
+              </a:rPr>
+              <a:t>Outils</a:t>
+            </a:r>
+            <a:r>
+              <a:rPr kumimoji="0" lang="en-US" altLang="en-US" sz="1800" b="0" i="0" u="none" strike="noStrike" cap="none" normalizeH="0" baseline="0" dirty="0">
+                <a:ln>
+                  <a:noFill/>
+                </a:ln>
+                <a:solidFill>
+                  <a:schemeClr val="tx1"/>
+                </a:solidFill>
+                <a:effectLst/>
+                <a:latin typeface="Arial" panose="020B0604020202020204" pitchFamily="34" charset="0"/>
+              </a:rPr>
+              <a:t> de </a:t>
+            </a:r>
+            <a:r>
+              <a:rPr kumimoji="0" lang="en-US" altLang="en-US" sz="1800" b="0" i="0" u="none" strike="noStrike" cap="none" normalizeH="0" baseline="0" dirty="0" err="1">
+                <a:ln>
+                  <a:noFill/>
+                </a:ln>
+                <a:solidFill>
+                  <a:schemeClr val="tx1"/>
+                </a:solidFill>
+                <a:effectLst/>
+                <a:latin typeface="Arial" panose="020B0604020202020204" pitchFamily="34" charset="0"/>
+              </a:rPr>
+              <a:t>Déploiement</a:t>
+            </a:r>
+            <a:endParaRPr kumimoji="0" lang="en-US" altLang="en-US" sz="1800" b="0" i="0" u="none" strike="noStrike" cap="none" normalizeH="0" baseline="0" dirty="0">
+              <a:ln>
+                <a:noFill/>
+              </a:ln>
+              <a:solidFill>
+                <a:schemeClr val="tx1"/>
+              </a:solidFill>
+              <a:effectLst/>
+              <a:latin typeface="Arial" panose="020B0604020202020204" pitchFamily="34" charset="0"/>
+            </a:endParaRPr>
+          </a:p>
+          <a:p>
+            <a:pPr marL="0" marR="0" lvl="0" indent="0" algn="l" defTabSz="914400" rtl="0" eaLnBrk="0" fontAlgn="base" latinLnBrk="0" hangingPunct="0">
+              <a:lnSpc>
+                <a:spcPct val="100000"/>
+              </a:lnSpc>
+              <a:spcBef>
+                <a:spcPct val="0"/>
+              </a:spcBef>
+              <a:spcAft>
+                <a:spcPct val="0"/>
+              </a:spcAft>
+              <a:buClrTx/>
+              <a:buSzTx/>
+              <a:buFontTx/>
+              <a:buChar char="•"/>
+              <a:tabLst/>
+            </a:pPr>
+            <a:r>
+              <a:rPr kumimoji="0" lang="en-US" altLang="en-US" sz="1800" b="0" i="0" u="none" strike="noStrike" cap="none" normalizeH="0" baseline="0" dirty="0" err="1">
+                <a:ln>
+                  <a:noFill/>
+                </a:ln>
+                <a:solidFill>
+                  <a:schemeClr val="tx1"/>
+                </a:solidFill>
+                <a:effectLst/>
+                <a:latin typeface="Arial" panose="020B0604020202020204" pitchFamily="34" charset="0"/>
+              </a:rPr>
+              <a:t>Diagramme</a:t>
+            </a:r>
+            <a:r>
+              <a:rPr kumimoji="0" lang="en-US" altLang="en-US" sz="1800" b="0" i="0" u="none" strike="noStrike" cap="none" normalizeH="0" baseline="0" dirty="0">
+                <a:ln>
+                  <a:noFill/>
+                </a:ln>
+                <a:solidFill>
+                  <a:schemeClr val="tx1"/>
+                </a:solidFill>
+                <a:effectLst/>
+                <a:latin typeface="Arial" panose="020B0604020202020204" pitchFamily="34" charset="0"/>
+              </a:rPr>
+              <a:t> du pipeline de </a:t>
+            </a:r>
+            <a:r>
+              <a:rPr kumimoji="0" lang="en-US" altLang="en-US" sz="1800" b="0" i="0" u="none" strike="noStrike" cap="none" normalizeH="0" baseline="0" dirty="0" err="1">
+                <a:ln>
+                  <a:noFill/>
+                </a:ln>
+                <a:solidFill>
+                  <a:schemeClr val="tx1"/>
+                </a:solidFill>
+                <a:effectLst/>
+                <a:latin typeface="Arial" panose="020B0604020202020204" pitchFamily="34" charset="0"/>
+              </a:rPr>
+              <a:t>déploiement</a:t>
+            </a:r>
+            <a:r>
+              <a:rPr kumimoji="0" lang="en-US" altLang="en-US" sz="1800" b="0" i="0" u="none" strike="noStrike" cap="none" normalizeH="0" baseline="0" dirty="0">
+                <a:ln>
+                  <a:noFill/>
+                </a:ln>
+                <a:solidFill>
+                  <a:schemeClr val="tx1"/>
+                </a:solidFill>
+                <a:effectLst/>
+                <a:latin typeface="Arial" panose="020B0604020202020204" pitchFamily="34" charset="0"/>
+              </a:rPr>
+              <a:t> </a:t>
+            </a:r>
+            <a:r>
+              <a:rPr kumimoji="0" lang="en-US" altLang="en-US" sz="1800" b="0" i="0" u="none" strike="noStrike" cap="none" normalizeH="0" baseline="0" dirty="0" err="1">
+                <a:ln>
+                  <a:noFill/>
+                </a:ln>
+                <a:solidFill>
+                  <a:schemeClr val="tx1"/>
+                </a:solidFill>
+                <a:effectLst/>
+                <a:latin typeface="Arial" panose="020B0604020202020204" pitchFamily="34" charset="0"/>
+              </a:rPr>
+              <a:t>incluant</a:t>
+            </a:r>
+            <a:r>
+              <a:rPr kumimoji="0" lang="en-US" altLang="en-US" sz="1800" b="0" i="0" u="none" strike="noStrike" cap="none" normalizeH="0" baseline="0" dirty="0">
+                <a:ln>
+                  <a:noFill/>
+                </a:ln>
+                <a:solidFill>
+                  <a:schemeClr val="tx1"/>
+                </a:solidFill>
+                <a:effectLst/>
+                <a:latin typeface="Arial" panose="020B0604020202020204" pitchFamily="34" charset="0"/>
+              </a:rPr>
+              <a:t> Git et GitHub.</a:t>
+            </a:r>
+          </a:p>
+          <a:p>
+            <a:pPr marL="0" marR="0" lvl="0" indent="0" algn="l" defTabSz="914400" rtl="0" eaLnBrk="0" fontAlgn="base" latinLnBrk="0" hangingPunct="0">
+              <a:lnSpc>
+                <a:spcPct val="100000"/>
+              </a:lnSpc>
+              <a:spcBef>
+                <a:spcPct val="0"/>
+              </a:spcBef>
+              <a:spcAft>
+                <a:spcPct val="0"/>
+              </a:spcAft>
+              <a:buClrTx/>
+              <a:buSzTx/>
+              <a:buFontTx/>
+              <a:buNone/>
+              <a:tabLst/>
+            </a:pPr>
+            <a:endParaRPr kumimoji="0" lang="en-US" altLang="en-US" sz="1800" b="0" i="0" u="none" strike="noStrike" cap="none" normalizeH="0" baseline="0" dirty="0">
+              <a:ln>
+                <a:noFill/>
+              </a:ln>
+              <a:solidFill>
+                <a:schemeClr val="tx1"/>
+              </a:solidFill>
+              <a:effectLst/>
+              <a:latin typeface="Arial" panose="020B0604020202020204" pitchFamily="34" charset="0"/>
+            </a:endParaRPr>
           </a:p>
         </p:txBody>
       </p:sp>
@@ -3817,28 +4523,62 @@
       </p:grpSpPr>
       <p:sp>
         <p:nvSpPr>
-          <p:cNvPr id="2" name="CasellaDiTesto 1">
+          <p:cNvPr id="3" name="Rectangle 1">
             <a:extLst>
               <a:ext uri="{FF2B5EF4-FFF2-40B4-BE49-F238E27FC236}">
-                <a16:creationId xmlns:a16="http://schemas.microsoft.com/office/drawing/2014/main" id="{6074847E-64FA-F489-2BCA-B45DCC22BA25}"/>
+                <a16:creationId xmlns:a16="http://schemas.microsoft.com/office/drawing/2014/main" id="{9C72F23F-7C40-D8C4-B093-4196B482E77F}"/>
               </a:ext>
             </a:extLst>
           </p:cNvPr>
-          <p:cNvSpPr txBox="1"/>
+          <p:cNvSpPr>
+            <a:spLocks noChangeArrowheads="1"/>
+          </p:cNvSpPr>
           <p:nvPr/>
         </p:nvSpPr>
-        <p:spPr>
+        <p:spPr bwMode="auto">
           <a:xfrm>
-            <a:off x="4113068" y="926522"/>
-            <a:ext cx="2743199" cy="365760"/>
+            <a:off x="490888" y="2505670"/>
+            <a:ext cx="9432758" cy="923330"/>
           </a:xfrm>
           <a:prstGeom prst="rect">
             <a:avLst/>
           </a:prstGeom>
           <a:noFill/>
+          <a:ln>
+            <a:noFill/>
+          </a:ln>
+          <a:effectLst/>
+          <a:extLst>
+            <a:ext uri="{909E8E84-426E-40DD-AFC4-6F175D3DCCD1}">
+              <a14:hiddenFill xmlns:a14="http://schemas.microsoft.com/office/drawing/2010/main">
+                <a:solidFill>
+                  <a:schemeClr val="accent1"/>
+                </a:solidFill>
+              </a14:hiddenFill>
+            </a:ext>
+            <a:ext uri="{91240B29-F687-4F45-9708-019B960494DF}">
+              <a14:hiddenLine xmlns:a14="http://schemas.microsoft.com/office/drawing/2010/main" w="9525">
+                <a:solidFill>
+                  <a:schemeClr val="tx1"/>
+                </a:solidFill>
+                <a:miter lim="800000"/>
+                <a:headEnd/>
+                <a:tailEnd/>
+              </a14:hiddenLine>
+            </a:ext>
+            <a:ext uri="{AF507438-7753-43E0-B8FC-AC1667EBCBE1}">
+              <a14:hiddenEffects xmlns:a14="http://schemas.microsoft.com/office/drawing/2010/main">
+                <a:effectLst>
+                  <a:outerShdw dist="35921" dir="2700000" algn="ctr" rotWithShape="0">
+                    <a:schemeClr val="bg2"/>
+                  </a:outerShdw>
+                </a:effectLst>
+              </a14:hiddenEffects>
+            </a:ext>
+          </a:extLst>
         </p:spPr>
         <p:txBody>
-          <a:bodyPr rot="0" spcFirstLastPara="0" vertOverflow="overflow" horzOverflow="overflow" vert="horz" wrap="square" lIns="91440" tIns="45720" rIns="91440" bIns="45720" numCol="1" spcCol="0" rtlCol="0" fromWordArt="0" anchor="t" anchorCtr="0" forceAA="0" compatLnSpc="1">
+          <a:bodyPr vert="horz" wrap="square" lIns="91440" tIns="45720" rIns="91440" bIns="45720" numCol="1" anchor="ctr" anchorCtr="0" compatLnSpc="1">
             <a:prstTxWarp prst="textNoShape">
               <a:avLst/>
             </a:prstTxWarp>
@@ -3846,14 +4586,107 @@
           </a:bodyPr>
           <a:lstStyle/>
           <a:p>
-            <a:pPr algn="l"/>
-            <a:r>
-              <a:rPr lang="it-IT" dirty="0">
-                <a:cs typeface="Calibri"/>
-              </a:rPr>
-              <a:t>DEMO</a:t>
-            </a:r>
-            <a:endParaRPr lang="it-IT" dirty="0"/>
+            <a:pPr marL="0" marR="0" lvl="0" indent="0" algn="l" defTabSz="914400" rtl="0" eaLnBrk="0" fontAlgn="base" latinLnBrk="0" hangingPunct="0">
+              <a:lnSpc>
+                <a:spcPct val="100000"/>
+              </a:lnSpc>
+              <a:spcBef>
+                <a:spcPct val="0"/>
+              </a:spcBef>
+              <a:spcAft>
+                <a:spcPct val="0"/>
+              </a:spcAft>
+              <a:buClrTx/>
+              <a:buSzTx/>
+              <a:buFontTx/>
+              <a:buChar char="•"/>
+              <a:tabLst/>
+            </a:pPr>
+            <a:r>
+              <a:rPr kumimoji="0" lang="en-US" altLang="en-US" sz="1800" b="1" i="0" u="none" strike="noStrike" cap="none" normalizeH="0" baseline="0">
+                <a:ln>
+                  <a:noFill/>
+                </a:ln>
+                <a:solidFill>
+                  <a:schemeClr val="tx1"/>
+                </a:solidFill>
+                <a:effectLst/>
+                <a:latin typeface="Arial" panose="020B0604020202020204" pitchFamily="34" charset="0"/>
+              </a:rPr>
+              <a:t>Slide 13</a:t>
+            </a:r>
+            <a:r>
+              <a:rPr kumimoji="0" lang="en-US" altLang="en-US" sz="1800" b="0" i="0" u="none" strike="noStrike" cap="none" normalizeH="0" baseline="0">
+                <a:ln>
+                  <a:noFill/>
+                </a:ln>
+                <a:solidFill>
+                  <a:schemeClr val="tx1"/>
+                </a:solidFill>
+                <a:effectLst/>
+                <a:latin typeface="Arial" panose="020B0604020202020204" pitchFamily="34" charset="0"/>
+              </a:rPr>
+              <a:t>: Tests Unitaires</a:t>
+            </a:r>
+          </a:p>
+          <a:p>
+            <a:pPr marL="0" marR="0" lvl="0" indent="0" algn="l" defTabSz="914400" rtl="0" eaLnBrk="0" fontAlgn="base" latinLnBrk="0" hangingPunct="0">
+              <a:lnSpc>
+                <a:spcPct val="100000"/>
+              </a:lnSpc>
+              <a:spcBef>
+                <a:spcPct val="0"/>
+              </a:spcBef>
+              <a:spcAft>
+                <a:spcPct val="0"/>
+              </a:spcAft>
+              <a:buClrTx/>
+              <a:buSzTx/>
+              <a:buFontTx/>
+              <a:buChar char="•"/>
+              <a:tabLst/>
+            </a:pPr>
+            <a:r>
+              <a:rPr kumimoji="0" lang="en-US" altLang="en-US" sz="1800" b="0" i="0" u="none" strike="noStrike" cap="none" normalizeH="0" baseline="0">
+                <a:ln>
+                  <a:noFill/>
+                </a:ln>
+                <a:solidFill>
+                  <a:schemeClr val="tx1"/>
+                </a:solidFill>
+                <a:effectLst/>
+                <a:latin typeface="Arial" panose="020B0604020202020204" pitchFamily="34" charset="0"/>
+              </a:rPr>
+              <a:t>Exemples de tests unitaires utilisés dans le projet.</a:t>
+            </a:r>
+          </a:p>
+          <a:p>
+            <a:pPr marL="0" marR="0" lvl="0" indent="0" algn="l" defTabSz="914400" rtl="0" eaLnBrk="0" fontAlgn="base" latinLnBrk="0" hangingPunct="0">
+              <a:lnSpc>
+                <a:spcPct val="100000"/>
+              </a:lnSpc>
+              <a:spcBef>
+                <a:spcPct val="0"/>
+              </a:spcBef>
+              <a:spcAft>
+                <a:spcPct val="0"/>
+              </a:spcAft>
+              <a:buClrTx/>
+              <a:buSzTx/>
+              <a:buFontTx/>
+              <a:buNone/>
+              <a:tabLst/>
+            </a:pPr>
+            <a:endParaRPr kumimoji="0" lang="en-US" altLang="en-US" sz="1800" b="0" i="0" u="none" strike="noStrike" cap="none" normalizeH="0" baseline="0">
+              <a:ln>
+                <a:noFill/>
+              </a:ln>
+              <a:solidFill>
+                <a:schemeClr val="tx1"/>
+              </a:solidFill>
+              <a:effectLst/>
+              <a:latin typeface="Arial" panose="020B0604020202020204" pitchFamily="34" charset="0"/>
+            </a:endParaRPr>
           </a:p>
         </p:txBody>
       </p:sp>
@@ -4135,10 +4968,46 @@
           <a:lstStyle/>
           <a:p>
             <a:r>
-              <a:rPr lang="en-US" b="1">
+              <a:rPr lang="en-US" b="1" dirty="0">
                 <a:latin typeface="Söhne"/>
               </a:rPr>
-              <a:t>Rappel de la Problématique et Présentation du Jeu de Données (3 minutes)</a:t>
+              <a:t>Rappel de la </a:t>
+            </a:r>
+            <a:r>
+              <a:rPr lang="en-US" b="1" dirty="0" err="1">
+                <a:latin typeface="Söhne"/>
+              </a:rPr>
+              <a:t>Problématique</a:t>
+            </a:r>
+            <a:r>
+              <a:rPr lang="en-US" b="1" dirty="0">
+                <a:latin typeface="Söhne"/>
+              </a:rPr>
+              <a:t> et </a:t>
+            </a:r>
+            <a:r>
+              <a:rPr lang="en-US" b="1" dirty="0" err="1">
+                <a:latin typeface="Söhne"/>
+              </a:rPr>
+              <a:t>Présentation</a:t>
+            </a:r>
+            <a:r>
+              <a:rPr lang="en-US" b="1" dirty="0">
+                <a:latin typeface="Söhne"/>
+              </a:rPr>
+              <a:t> du Jeu de </a:t>
+            </a:r>
+            <a:r>
+              <a:rPr lang="en-US" b="1" dirty="0" err="1">
+                <a:latin typeface="Söhne"/>
+              </a:rPr>
+              <a:t>Données</a:t>
+            </a:r>
+            <a:r>
+              <a:rPr lang="en-US" b="1" dirty="0">
+                <a:latin typeface="Söhne"/>
+              </a:rPr>
+              <a:t> (3 minutes)</a:t>
             </a:r>
           </a:p>
           <a:p>
@@ -4146,28 +5015,582 @@
               <a:buChar char="•"/>
             </a:pPr>
             <a:r>
-              <a:rPr lang="en-US">
+              <a:rPr lang="en-US" dirty="0" err="1">
                 <a:solidFill>
                   <a:srgbClr val="D1D5DB"/>
                 </a:solidFill>
                 <a:latin typeface="Söhne"/>
               </a:rPr>
-              <a:t>Bref aperçu du projet et de ses objectifs</a:t>
-            </a:r>
+              <a:t>Bref</a:t>
+            </a:r>
+            <a:r>
+              <a:rPr lang="en-US" dirty="0">
+                <a:solidFill>
+                  <a:srgbClr val="D1D5DB"/>
+                </a:solidFill>
+                <a:latin typeface="Söhne"/>
+              </a:rPr>
+              <a:t> aperçu du </a:t>
+            </a:r>
+            <a:r>
+              <a:rPr lang="en-US" dirty="0" err="1">
+                <a:solidFill>
+                  <a:srgbClr val="D1D5DB"/>
+                </a:solidFill>
+                <a:latin typeface="Söhne"/>
+              </a:rPr>
+              <a:t>projet</a:t>
+            </a:r>
+            <a:r>
+              <a:rPr lang="en-US" dirty="0">
+                <a:solidFill>
+                  <a:srgbClr val="D1D5DB"/>
+                </a:solidFill>
+                <a:latin typeface="Söhne"/>
+              </a:rPr>
+              <a:t> et de </a:t>
+            </a:r>
+            <a:r>
+              <a:rPr lang="en-US" dirty="0" err="1">
+                <a:solidFill>
+                  <a:srgbClr val="D1D5DB"/>
+                </a:solidFill>
+                <a:latin typeface="Söhne"/>
+              </a:rPr>
+              <a:t>ses</a:t>
+            </a:r>
+            <a:r>
+              <a:rPr lang="en-US" dirty="0">
+                <a:solidFill>
+                  <a:srgbClr val="D1D5DB"/>
+                </a:solidFill>
+                <a:latin typeface="Söhne"/>
+              </a:rPr>
+              <a:t> </a:t>
+            </a:r>
+            <a:r>
+              <a:rPr lang="en-US" dirty="0" err="1">
+                <a:solidFill>
+                  <a:srgbClr val="D1D5DB"/>
+                </a:solidFill>
+                <a:latin typeface="Söhne"/>
+              </a:rPr>
+              <a:t>objectifs</a:t>
+            </a:r>
+            <a:endParaRPr lang="en-US" dirty="0">
+              <a:solidFill>
+                <a:srgbClr val="D1D5DB"/>
+              </a:solidFill>
+              <a:latin typeface="Söhne"/>
+            </a:endParaRPr>
           </a:p>
           <a:p>
             <a:pPr>
               <a:buChar char="•"/>
             </a:pPr>
             <a:r>
-              <a:rPr lang="en-US">
+              <a:rPr lang="en-US" dirty="0" err="1">
                 <a:solidFill>
                   <a:srgbClr val="D1D5DB"/>
                 </a:solidFill>
                 <a:latin typeface="Söhne"/>
               </a:rPr>
-              <a:t>Présentation des données utilisées (typologies, déséquilibre des classes, etc.)</a:t>
-            </a:r>
+              <a:t>Présentation</a:t>
+            </a:r>
+            <a:r>
+              <a:rPr lang="en-US" dirty="0">
+                <a:solidFill>
+                  <a:srgbClr val="D1D5DB"/>
+                </a:solidFill>
+                <a:latin typeface="Söhne"/>
+              </a:rPr>
+              <a:t> des </a:t>
+            </a:r>
+            <a:r>
+              <a:rPr lang="en-US" dirty="0" err="1">
+                <a:solidFill>
+                  <a:srgbClr val="D1D5DB"/>
+                </a:solidFill>
+                <a:latin typeface="Söhne"/>
+              </a:rPr>
+              <a:t>données</a:t>
+            </a:r>
+            <a:r>
+              <a:rPr lang="en-US" dirty="0">
+                <a:solidFill>
+                  <a:srgbClr val="D1D5DB"/>
+                </a:solidFill>
+                <a:latin typeface="Söhne"/>
+              </a:rPr>
+              <a:t> </a:t>
+            </a:r>
+            <a:r>
+              <a:rPr lang="en-US" dirty="0" err="1">
+                <a:solidFill>
+                  <a:srgbClr val="D1D5DB"/>
+                </a:solidFill>
+                <a:latin typeface="Söhne"/>
+              </a:rPr>
+              <a:t>utilisées</a:t>
+            </a:r>
+            <a:r>
+              <a:rPr lang="en-US" dirty="0">
+                <a:solidFill>
+                  <a:srgbClr val="D1D5DB"/>
+                </a:solidFill>
+                <a:latin typeface="Söhne"/>
+              </a:rPr>
+              <a:t> (typologies, </a:t>
+            </a:r>
+            <a:r>
+              <a:rPr lang="en-US" dirty="0" err="1">
+                <a:solidFill>
+                  <a:srgbClr val="D1D5DB"/>
+                </a:solidFill>
+                <a:latin typeface="Söhne"/>
+              </a:rPr>
+              <a:t>déséquilibre</a:t>
+            </a:r>
+            <a:r>
+              <a:rPr lang="en-US" dirty="0">
+                <a:solidFill>
+                  <a:srgbClr val="D1D5DB"/>
+                </a:solidFill>
+                <a:latin typeface="Söhne"/>
+              </a:rPr>
+              <a:t> des classes, etc.)</a:t>
+            </a:r>
+          </a:p>
+        </p:txBody>
+      </p:sp>
+      <p:sp>
+        <p:nvSpPr>
+          <p:cNvPr id="2" name="Rectangle 1">
+            <a:extLst>
+              <a:ext uri="{FF2B5EF4-FFF2-40B4-BE49-F238E27FC236}">
+                <a16:creationId xmlns:a16="http://schemas.microsoft.com/office/drawing/2014/main" id="{C9C17500-3450-DCF6-750B-010EFEC89236}"/>
+              </a:ext>
+            </a:extLst>
+          </p:cNvPr>
+          <p:cNvSpPr>
+            <a:spLocks noChangeArrowheads="1"/>
+          </p:cNvSpPr>
+          <p:nvPr/>
+        </p:nvSpPr>
+        <p:spPr bwMode="auto">
+          <a:xfrm>
+            <a:off x="885524" y="4544538"/>
+            <a:ext cx="9814560" cy="1200329"/>
+          </a:xfrm>
+          <a:prstGeom prst="rect">
+            <a:avLst/>
+          </a:prstGeom>
+          <a:noFill/>
+          <a:ln>
+            <a:noFill/>
+          </a:ln>
+          <a:effectLst/>
+          <a:extLst>
+            <a:ext uri="{909E8E84-426E-40DD-AFC4-6F175D3DCCD1}">
+              <a14:hiddenFill xmlns:a14="http://schemas.microsoft.com/office/drawing/2010/main">
+                <a:solidFill>
+                  <a:schemeClr val="accent1"/>
+                </a:solidFill>
+              </a14:hiddenFill>
+            </a:ext>
+            <a:ext uri="{91240B29-F687-4F45-9708-019B960494DF}">
+              <a14:hiddenLine xmlns:a14="http://schemas.microsoft.com/office/drawing/2010/main" w="9525">
+                <a:solidFill>
+                  <a:schemeClr val="tx1"/>
+                </a:solidFill>
+                <a:miter lim="800000"/>
+                <a:headEnd/>
+                <a:tailEnd/>
+              </a14:hiddenLine>
+            </a:ext>
+            <a:ext uri="{AF507438-7753-43E0-B8FC-AC1667EBCBE1}">
+              <a14:hiddenEffects xmlns:a14="http://schemas.microsoft.com/office/drawing/2010/main">
+                <a:effectLst>
+                  <a:outerShdw dist="35921" dir="2700000" algn="ctr" rotWithShape="0">
+                    <a:schemeClr val="bg2"/>
+                  </a:outerShdw>
+                </a:effectLst>
+              </a14:hiddenEffects>
+            </a:ext>
+          </a:extLst>
+        </p:spPr>
+        <p:txBody>
+          <a:bodyPr vert="horz" wrap="square" lIns="91440" tIns="45720" rIns="91440" bIns="45720" numCol="1" anchor="ctr" anchorCtr="0" compatLnSpc="1">
+            <a:prstTxWarp prst="textNoShape">
+              <a:avLst/>
+            </a:prstTxWarp>
+            <a:spAutoFit/>
+          </a:bodyPr>
+          <a:lstStyle/>
+          <a:p>
+            <a:pPr marL="0" marR="0" lvl="0" indent="0" algn="l" defTabSz="914400" rtl="0" eaLnBrk="0" fontAlgn="base" latinLnBrk="0" hangingPunct="0">
+              <a:lnSpc>
+                <a:spcPct val="100000"/>
+              </a:lnSpc>
+              <a:spcBef>
+                <a:spcPct val="0"/>
+              </a:spcBef>
+              <a:spcAft>
+                <a:spcPct val="0"/>
+              </a:spcAft>
+              <a:buClrTx/>
+              <a:buSzTx/>
+              <a:buFontTx/>
+              <a:buChar char="•"/>
+              <a:tabLst/>
+            </a:pPr>
+            <a:r>
+              <a:rPr kumimoji="0" lang="en-US" altLang="en-US" sz="1800" b="1" i="0" u="none" strike="noStrike" cap="none" normalizeH="0" baseline="0" dirty="0">
+                <a:ln>
+                  <a:noFill/>
+                </a:ln>
+                <a:solidFill>
+                  <a:schemeClr val="tx1"/>
+                </a:solidFill>
+                <a:effectLst/>
+                <a:latin typeface="Arial" panose="020B0604020202020204" pitchFamily="34" charset="0"/>
+              </a:rPr>
+              <a:t>Slide 2</a:t>
+            </a:r>
+            <a:r>
+              <a:rPr kumimoji="0" lang="en-US" altLang="en-US" sz="1800" b="0" i="0" u="none" strike="noStrike" cap="none" normalizeH="0" baseline="0" dirty="0">
+                <a:ln>
+                  <a:noFill/>
+                </a:ln>
+                <a:solidFill>
+                  <a:schemeClr val="tx1"/>
+                </a:solidFill>
+                <a:effectLst/>
+                <a:latin typeface="Arial" panose="020B0604020202020204" pitchFamily="34" charset="0"/>
+              </a:rPr>
+              <a:t>: Introduction au </a:t>
+            </a:r>
+            <a:r>
+              <a:rPr kumimoji="0" lang="en-US" altLang="en-US" sz="1800" b="0" i="0" u="none" strike="noStrike" cap="none" normalizeH="0" baseline="0" dirty="0" err="1">
+                <a:ln>
+                  <a:noFill/>
+                </a:ln>
+                <a:solidFill>
+                  <a:schemeClr val="tx1"/>
+                </a:solidFill>
+                <a:effectLst/>
+                <a:latin typeface="Arial" panose="020B0604020202020204" pitchFamily="34" charset="0"/>
+              </a:rPr>
+              <a:t>Projet</a:t>
+            </a:r>
+            <a:endParaRPr kumimoji="0" lang="en-US" altLang="en-US" sz="1800" b="0" i="0" u="none" strike="noStrike" cap="none" normalizeH="0" baseline="0" dirty="0">
+              <a:ln>
+                <a:noFill/>
+              </a:ln>
+              <a:solidFill>
+                <a:schemeClr val="tx1"/>
+              </a:solidFill>
+              <a:effectLst/>
+              <a:latin typeface="Arial" panose="020B0604020202020204" pitchFamily="34" charset="0"/>
+            </a:endParaRPr>
+          </a:p>
+          <a:p>
+            <a:pPr marL="0" marR="0" lvl="0" indent="0" algn="l" defTabSz="914400" rtl="0" eaLnBrk="0" fontAlgn="base" latinLnBrk="0" hangingPunct="0">
+              <a:lnSpc>
+                <a:spcPct val="100000"/>
+              </a:lnSpc>
+              <a:spcBef>
+                <a:spcPct val="0"/>
+              </a:spcBef>
+              <a:spcAft>
+                <a:spcPct val="0"/>
+              </a:spcAft>
+              <a:buClrTx/>
+              <a:buSzTx/>
+              <a:buFontTx/>
+              <a:buChar char="•"/>
+              <a:tabLst/>
+            </a:pPr>
+            <a:r>
+              <a:rPr kumimoji="0" lang="en-US" altLang="en-US" sz="1800" b="0" i="0" u="none" strike="noStrike" cap="none" normalizeH="0" baseline="0" dirty="0" err="1">
+                <a:ln>
+                  <a:noFill/>
+                </a:ln>
+                <a:solidFill>
+                  <a:schemeClr val="tx1"/>
+                </a:solidFill>
+                <a:effectLst/>
+                <a:latin typeface="Arial" panose="020B0604020202020204" pitchFamily="34" charset="0"/>
+              </a:rPr>
+              <a:t>Brève</a:t>
+            </a:r>
+            <a:r>
+              <a:rPr kumimoji="0" lang="en-US" altLang="en-US" sz="1800" b="0" i="0" u="none" strike="noStrike" cap="none" normalizeH="0" baseline="0" dirty="0">
+                <a:ln>
+                  <a:noFill/>
+                </a:ln>
+                <a:solidFill>
+                  <a:schemeClr val="tx1"/>
+                </a:solidFill>
+                <a:effectLst/>
+                <a:latin typeface="Arial" panose="020B0604020202020204" pitchFamily="34" charset="0"/>
+              </a:rPr>
+              <a:t> description du </a:t>
+            </a:r>
+            <a:r>
+              <a:rPr kumimoji="0" lang="en-US" altLang="en-US" sz="1800" b="0" i="0" u="none" strike="noStrike" cap="none" normalizeH="0" baseline="0" dirty="0" err="1">
+                <a:ln>
+                  <a:noFill/>
+                </a:ln>
+                <a:solidFill>
+                  <a:schemeClr val="tx1"/>
+                </a:solidFill>
+                <a:effectLst/>
+                <a:latin typeface="Arial" panose="020B0604020202020204" pitchFamily="34" charset="0"/>
+              </a:rPr>
+              <a:t>contexte</a:t>
+            </a:r>
+            <a:r>
+              <a:rPr kumimoji="0" lang="en-US" altLang="en-US" sz="1800" b="0" i="0" u="none" strike="noStrike" cap="none" normalizeH="0" baseline="0" dirty="0">
+                <a:ln>
+                  <a:noFill/>
+                </a:ln>
+                <a:solidFill>
+                  <a:schemeClr val="tx1"/>
+                </a:solidFill>
+                <a:effectLst/>
+                <a:latin typeface="Arial" panose="020B0604020202020204" pitchFamily="34" charset="0"/>
+              </a:rPr>
+              <a:t> du </a:t>
+            </a:r>
+            <a:r>
+              <a:rPr kumimoji="0" lang="en-US" altLang="en-US" sz="1800" b="0" i="0" u="none" strike="noStrike" cap="none" normalizeH="0" baseline="0" dirty="0" err="1">
+                <a:ln>
+                  <a:noFill/>
+                </a:ln>
+                <a:solidFill>
+                  <a:schemeClr val="tx1"/>
+                </a:solidFill>
+                <a:effectLst/>
+                <a:latin typeface="Arial" panose="020B0604020202020204" pitchFamily="34" charset="0"/>
+              </a:rPr>
+              <a:t>projet</a:t>
+            </a:r>
+            <a:r>
+              <a:rPr kumimoji="0" lang="en-US" altLang="en-US" sz="1800" b="0" i="0" u="none" strike="noStrike" cap="none" normalizeH="0" baseline="0" dirty="0">
+                <a:ln>
+                  <a:noFill/>
+                </a:ln>
+                <a:solidFill>
+                  <a:schemeClr val="tx1"/>
+                </a:solidFill>
+                <a:effectLst/>
+                <a:latin typeface="Arial" panose="020B0604020202020204" pitchFamily="34" charset="0"/>
+              </a:rPr>
+              <a:t> (</a:t>
+            </a:r>
+            <a:r>
+              <a:rPr kumimoji="0" lang="en-US" altLang="en-US" sz="1800" b="0" i="0" u="none" strike="noStrike" cap="none" normalizeH="0" baseline="0" dirty="0" err="1">
+                <a:ln>
+                  <a:noFill/>
+                </a:ln>
+                <a:solidFill>
+                  <a:schemeClr val="tx1"/>
+                </a:solidFill>
+                <a:effectLst/>
+                <a:latin typeface="Arial" panose="020B0604020202020204" pitchFamily="34" charset="0"/>
+              </a:rPr>
+              <a:t>enjeux</a:t>
+            </a:r>
+            <a:r>
+              <a:rPr kumimoji="0" lang="en-US" altLang="en-US" sz="1800" b="0" i="0" u="none" strike="noStrike" cap="none" normalizeH="0" baseline="0" dirty="0">
+                <a:ln>
+                  <a:noFill/>
+                </a:ln>
+                <a:solidFill>
+                  <a:schemeClr val="tx1"/>
+                </a:solidFill>
+                <a:effectLst/>
+                <a:latin typeface="Arial" panose="020B0604020202020204" pitchFamily="34" charset="0"/>
+              </a:rPr>
+              <a:t> </a:t>
+            </a:r>
+            <a:r>
+              <a:rPr kumimoji="0" lang="en-US" altLang="en-US" sz="1800" b="0" i="0" u="none" strike="noStrike" cap="none" normalizeH="0" baseline="0" dirty="0" err="1">
+                <a:ln>
+                  <a:noFill/>
+                </a:ln>
+                <a:solidFill>
+                  <a:schemeClr val="tx1"/>
+                </a:solidFill>
+                <a:effectLst/>
+                <a:latin typeface="Arial" panose="020B0604020202020204" pitchFamily="34" charset="0"/>
+              </a:rPr>
+              <a:t>économiques</a:t>
+            </a:r>
+            <a:r>
+              <a:rPr kumimoji="0" lang="en-US" altLang="en-US" sz="1800" b="0" i="0" u="none" strike="noStrike" cap="none" normalizeH="0" baseline="0" dirty="0">
+                <a:ln>
+                  <a:noFill/>
+                </a:ln>
+                <a:solidFill>
+                  <a:schemeClr val="tx1"/>
+                </a:solidFill>
+                <a:effectLst/>
+                <a:latin typeface="Arial" panose="020B0604020202020204" pitchFamily="34" charset="0"/>
+              </a:rPr>
+              <a:t> </a:t>
+            </a:r>
+            <a:r>
+              <a:rPr kumimoji="0" lang="en-US" altLang="en-US" sz="1800" b="0" i="0" u="none" strike="noStrike" cap="none" normalizeH="0" baseline="0" dirty="0" err="1">
+                <a:ln>
+                  <a:noFill/>
+                </a:ln>
+                <a:solidFill>
+                  <a:schemeClr val="tx1"/>
+                </a:solidFill>
+                <a:effectLst/>
+                <a:latin typeface="Arial" panose="020B0604020202020204" pitchFamily="34" charset="0"/>
+              </a:rPr>
+              <a:t>ou</a:t>
+            </a:r>
+            <a:r>
+              <a:rPr kumimoji="0" lang="en-US" altLang="en-US" sz="1800" b="0" i="0" u="none" strike="noStrike" cap="none" normalizeH="0" baseline="0" dirty="0">
+                <a:ln>
+                  <a:noFill/>
+                </a:ln>
+                <a:solidFill>
+                  <a:schemeClr val="tx1"/>
+                </a:solidFill>
+                <a:effectLst/>
+                <a:latin typeface="Arial" panose="020B0604020202020204" pitchFamily="34" charset="0"/>
+              </a:rPr>
+              <a:t> financiers).</a:t>
+            </a:r>
+          </a:p>
+          <a:p>
+            <a:pPr marL="0" marR="0" lvl="0" indent="0" algn="l" defTabSz="914400" rtl="0" eaLnBrk="0" fontAlgn="base" latinLnBrk="0" hangingPunct="0">
+              <a:lnSpc>
+                <a:spcPct val="100000"/>
+              </a:lnSpc>
+              <a:spcBef>
+                <a:spcPct val="0"/>
+              </a:spcBef>
+              <a:spcAft>
+                <a:spcPct val="0"/>
+              </a:spcAft>
+              <a:buClrTx/>
+              <a:buSzTx/>
+              <a:buFontTx/>
+              <a:buChar char="•"/>
+              <a:tabLst/>
+            </a:pPr>
+            <a:r>
+              <a:rPr kumimoji="0" lang="en-US" altLang="en-US" sz="1800" b="0" i="0" u="none" strike="noStrike" cap="none" normalizeH="0" baseline="0" dirty="0" err="1">
+                <a:ln>
+                  <a:noFill/>
+                </a:ln>
+                <a:solidFill>
+                  <a:schemeClr val="tx1"/>
+                </a:solidFill>
+                <a:effectLst/>
+                <a:latin typeface="Arial" panose="020B0604020202020204" pitchFamily="34" charset="0"/>
+              </a:rPr>
+              <a:t>Objectifs</a:t>
+            </a:r>
+            <a:r>
+              <a:rPr kumimoji="0" lang="en-US" altLang="en-US" sz="1800" b="0" i="0" u="none" strike="noStrike" cap="none" normalizeH="0" baseline="0" dirty="0">
+                <a:ln>
+                  <a:noFill/>
+                </a:ln>
+                <a:solidFill>
+                  <a:schemeClr val="tx1"/>
+                </a:solidFill>
+                <a:effectLst/>
+                <a:latin typeface="Arial" panose="020B0604020202020204" pitchFamily="34" charset="0"/>
+              </a:rPr>
+              <a:t> </a:t>
+            </a:r>
+            <a:r>
+              <a:rPr kumimoji="0" lang="en-US" altLang="en-US" sz="1800" b="0" i="0" u="none" strike="noStrike" cap="none" normalizeH="0" baseline="0" dirty="0" err="1">
+                <a:ln>
+                  <a:noFill/>
+                </a:ln>
+                <a:solidFill>
+                  <a:schemeClr val="tx1"/>
+                </a:solidFill>
+                <a:effectLst/>
+                <a:latin typeface="Arial" panose="020B0604020202020204" pitchFamily="34" charset="0"/>
+              </a:rPr>
+              <a:t>clairs</a:t>
+            </a:r>
+            <a:r>
+              <a:rPr kumimoji="0" lang="en-US" altLang="en-US" sz="1800" b="0" i="0" u="none" strike="noStrike" cap="none" normalizeH="0" baseline="0" dirty="0">
+                <a:ln>
+                  <a:noFill/>
+                </a:ln>
+                <a:solidFill>
+                  <a:schemeClr val="tx1"/>
+                </a:solidFill>
+                <a:effectLst/>
+                <a:latin typeface="Arial" panose="020B0604020202020204" pitchFamily="34" charset="0"/>
+              </a:rPr>
+              <a:t> du </a:t>
+            </a:r>
+            <a:r>
+              <a:rPr kumimoji="0" lang="en-US" altLang="en-US" sz="1800" b="0" i="0" u="none" strike="noStrike" cap="none" normalizeH="0" baseline="0" dirty="0" err="1">
+                <a:ln>
+                  <a:noFill/>
+                </a:ln>
+                <a:solidFill>
+                  <a:schemeClr val="tx1"/>
+                </a:solidFill>
+                <a:effectLst/>
+                <a:latin typeface="Arial" panose="020B0604020202020204" pitchFamily="34" charset="0"/>
+              </a:rPr>
+              <a:t>projet</a:t>
+            </a:r>
+            <a:r>
+              <a:rPr kumimoji="0" lang="en-US" altLang="en-US" sz="1800" b="0" i="0" u="none" strike="noStrike" cap="none" normalizeH="0" baseline="0" dirty="0">
+                <a:ln>
+                  <a:noFill/>
+                </a:ln>
+                <a:solidFill>
+                  <a:schemeClr val="tx1"/>
+                </a:solidFill>
+                <a:effectLst/>
+                <a:latin typeface="Arial" panose="020B0604020202020204" pitchFamily="34" charset="0"/>
+              </a:rPr>
+              <a:t>.</a:t>
+            </a:r>
+          </a:p>
+          <a:p>
+            <a:pPr marL="0" marR="0" lvl="0" indent="0" algn="l" defTabSz="914400" rtl="0" eaLnBrk="0" fontAlgn="base" latinLnBrk="0" hangingPunct="0">
+              <a:lnSpc>
+                <a:spcPct val="100000"/>
+              </a:lnSpc>
+              <a:spcBef>
+                <a:spcPct val="0"/>
+              </a:spcBef>
+              <a:spcAft>
+                <a:spcPct val="0"/>
+              </a:spcAft>
+              <a:buClrTx/>
+              <a:buSzTx/>
+              <a:buFontTx/>
+              <a:buNone/>
+              <a:tabLst/>
+            </a:pPr>
+            <a:endParaRPr kumimoji="0" lang="en-US" altLang="en-US" sz="1800" b="0" i="0" u="none" strike="noStrike" cap="none" normalizeH="0" baseline="0" dirty="0">
+              <a:ln>
+                <a:noFill/>
+              </a:ln>
+              <a:solidFill>
+                <a:schemeClr val="tx1"/>
+              </a:solidFill>
+              <a:effectLst/>
+              <a:latin typeface="Arial" panose="020B0604020202020204" pitchFamily="34" charset="0"/>
+            </a:endParaRPr>
           </a:p>
         </p:txBody>
       </p:sp>
@@ -4212,6 +5635,237 @@
           <a:chExt cx="0" cy="0"/>
         </a:xfrm>
       </p:grpSpPr>
+      <p:sp>
+        <p:nvSpPr>
+          <p:cNvPr id="2" name="Rectangle 1">
+            <a:extLst>
+              <a:ext uri="{FF2B5EF4-FFF2-40B4-BE49-F238E27FC236}">
+                <a16:creationId xmlns:a16="http://schemas.microsoft.com/office/drawing/2014/main" id="{1AAC1ED4-820A-8A26-3BA4-E3042F18BF84}"/>
+              </a:ext>
+            </a:extLst>
+          </p:cNvPr>
+          <p:cNvSpPr>
+            <a:spLocks noChangeArrowheads="1"/>
+          </p:cNvSpPr>
+          <p:nvPr/>
+        </p:nvSpPr>
+        <p:spPr bwMode="auto">
+          <a:xfrm>
+            <a:off x="587141" y="1512481"/>
+            <a:ext cx="8114097" cy="1477328"/>
+          </a:xfrm>
+          <a:prstGeom prst="rect">
+            <a:avLst/>
+          </a:prstGeom>
+          <a:noFill/>
+          <a:ln>
+            <a:noFill/>
+          </a:ln>
+          <a:effectLst/>
+          <a:extLst>
+            <a:ext uri="{909E8E84-426E-40DD-AFC4-6F175D3DCCD1}">
+              <a14:hiddenFill xmlns:a14="http://schemas.microsoft.com/office/drawing/2010/main">
+                <a:solidFill>
+                  <a:schemeClr val="accent1"/>
+                </a:solidFill>
+              </a14:hiddenFill>
+            </a:ext>
+            <a:ext uri="{91240B29-F687-4F45-9708-019B960494DF}">
+              <a14:hiddenLine xmlns:a14="http://schemas.microsoft.com/office/drawing/2010/main" w="9525">
+                <a:solidFill>
+                  <a:schemeClr val="tx1"/>
+                </a:solidFill>
+                <a:miter lim="800000"/>
+                <a:headEnd/>
+                <a:tailEnd/>
+              </a14:hiddenLine>
+            </a:ext>
+            <a:ext uri="{AF507438-7753-43E0-B8FC-AC1667EBCBE1}">
+              <a14:hiddenEffects xmlns:a14="http://schemas.microsoft.com/office/drawing/2010/main">
+                <a:effectLst>
+                  <a:outerShdw dist="35921" dir="2700000" algn="ctr" rotWithShape="0">
+                    <a:schemeClr val="bg2"/>
+                  </a:outerShdw>
+                </a:effectLst>
+              </a14:hiddenEffects>
+            </a:ext>
+          </a:extLst>
+        </p:spPr>
+        <p:txBody>
+          <a:bodyPr vert="horz" wrap="square" lIns="91440" tIns="45720" rIns="91440" bIns="45720" numCol="1" anchor="ctr" anchorCtr="0" compatLnSpc="1">
+            <a:prstTxWarp prst="textNoShape">
+              <a:avLst/>
+            </a:prstTxWarp>
+            <a:spAutoFit/>
+          </a:bodyPr>
+          <a:lstStyle/>
+          <a:p>
+            <a:pPr marL="0" marR="0" lvl="0" indent="0" algn="l" defTabSz="914400" rtl="0" eaLnBrk="0" fontAlgn="base" latinLnBrk="0" hangingPunct="0">
+              <a:lnSpc>
+                <a:spcPct val="100000"/>
+              </a:lnSpc>
+              <a:spcBef>
+                <a:spcPct val="0"/>
+              </a:spcBef>
+              <a:spcAft>
+                <a:spcPct val="0"/>
+              </a:spcAft>
+              <a:buClrTx/>
+              <a:buSzTx/>
+              <a:buFontTx/>
+              <a:buChar char="•"/>
+              <a:tabLst/>
+            </a:pPr>
+            <a:r>
+              <a:rPr kumimoji="0" lang="en-US" altLang="en-US" sz="1800" b="1" i="0" u="none" strike="noStrike" cap="none" normalizeH="0" baseline="0">
+                <a:ln>
+                  <a:noFill/>
+                </a:ln>
+                <a:solidFill>
+                  <a:schemeClr val="tx1"/>
+                </a:solidFill>
+                <a:effectLst/>
+                <a:latin typeface="Arial" panose="020B0604020202020204" pitchFamily="34" charset="0"/>
+              </a:rPr>
+              <a:t>Slide 3</a:t>
+            </a:r>
+            <a:r>
+              <a:rPr kumimoji="0" lang="en-US" altLang="en-US" sz="1800" b="0" i="0" u="none" strike="noStrike" cap="none" normalizeH="0" baseline="0">
+                <a:ln>
+                  <a:noFill/>
+                </a:ln>
+                <a:solidFill>
+                  <a:schemeClr val="tx1"/>
+                </a:solidFill>
+                <a:effectLst/>
+                <a:latin typeface="Arial" panose="020B0604020202020204" pitchFamily="34" charset="0"/>
+              </a:rPr>
+              <a:t>: Détails sur les Données</a:t>
+            </a:r>
+          </a:p>
+          <a:p>
+            <a:pPr marL="0" marR="0" lvl="0" indent="0" algn="l" defTabSz="914400" rtl="0" eaLnBrk="0" fontAlgn="base" latinLnBrk="0" hangingPunct="0">
+              <a:lnSpc>
+                <a:spcPct val="100000"/>
+              </a:lnSpc>
+              <a:spcBef>
+                <a:spcPct val="0"/>
+              </a:spcBef>
+              <a:spcAft>
+                <a:spcPct val="0"/>
+              </a:spcAft>
+              <a:buClrTx/>
+              <a:buSzTx/>
+              <a:buFontTx/>
+              <a:buChar char="•"/>
+              <a:tabLst/>
+            </a:pPr>
+            <a:r>
+              <a:rPr kumimoji="0" lang="en-US" altLang="en-US" sz="1800" b="0" i="0" u="none" strike="noStrike" cap="none" normalizeH="0" baseline="0">
+                <a:ln>
+                  <a:noFill/>
+                </a:ln>
+                <a:solidFill>
+                  <a:schemeClr val="tx1"/>
+                </a:solidFill>
+                <a:effectLst/>
+                <a:latin typeface="Arial" panose="020B0604020202020204" pitchFamily="34" charset="0"/>
+              </a:rPr>
+              <a:t>Types de données : informations personnelles, financières, et de crédit.</a:t>
+            </a:r>
+          </a:p>
+          <a:p>
+            <a:pPr marL="0" marR="0" lvl="0" indent="0" algn="l" defTabSz="914400" rtl="0" eaLnBrk="0" fontAlgn="base" latinLnBrk="0" hangingPunct="0">
+              <a:lnSpc>
+                <a:spcPct val="100000"/>
+              </a:lnSpc>
+              <a:spcBef>
+                <a:spcPct val="0"/>
+              </a:spcBef>
+              <a:spcAft>
+                <a:spcPct val="0"/>
+              </a:spcAft>
+              <a:buClrTx/>
+              <a:buSzTx/>
+              <a:buFontTx/>
+              <a:buChar char="•"/>
+              <a:tabLst/>
+            </a:pPr>
+            <a:r>
+              <a:rPr kumimoji="0" lang="en-US" altLang="en-US" sz="1800" b="0" i="0" u="none" strike="noStrike" cap="none" normalizeH="0" baseline="0">
+                <a:ln>
+                  <a:noFill/>
+                </a:ln>
+                <a:solidFill>
+                  <a:schemeClr val="tx1"/>
+                </a:solidFill>
+                <a:effectLst/>
+                <a:latin typeface="Arial" panose="020B0604020202020204" pitchFamily="34" charset="0"/>
+              </a:rPr>
+              <a:t>Graphique montrant la distribution des classes (bons vs mauvais payeurs).</a:t>
+            </a:r>
+          </a:p>
+          <a:p>
+            <a:pPr marL="0" marR="0" lvl="0" indent="0" algn="l" defTabSz="914400" rtl="0" eaLnBrk="0" fontAlgn="base" latinLnBrk="0" hangingPunct="0">
+              <a:lnSpc>
+                <a:spcPct val="100000"/>
+              </a:lnSpc>
+              <a:spcBef>
+                <a:spcPct val="0"/>
+              </a:spcBef>
+              <a:spcAft>
+                <a:spcPct val="0"/>
+              </a:spcAft>
+              <a:buClrTx/>
+              <a:buSzTx/>
+              <a:buFontTx/>
+              <a:buChar char="•"/>
+              <a:tabLst/>
+            </a:pPr>
+            <a:r>
+              <a:rPr kumimoji="0" lang="en-US" altLang="en-US" sz="1800" b="0" i="0" u="none" strike="noStrike" cap="none" normalizeH="0" baseline="0">
+                <a:ln>
+                  <a:noFill/>
+                </a:ln>
+                <a:solidFill>
+                  <a:schemeClr val="tx1"/>
+                </a:solidFill>
+                <a:effectLst/>
+                <a:latin typeface="Arial" panose="020B0604020202020204" pitchFamily="34" charset="0"/>
+              </a:rPr>
+              <a:t>Mentionnez brièvement les défis posés par le déséquilibre des classes.</a:t>
+            </a:r>
+          </a:p>
+          <a:p>
+            <a:pPr marL="0" marR="0" lvl="0" indent="0" algn="l" defTabSz="914400" rtl="0" eaLnBrk="0" fontAlgn="base" latinLnBrk="0" hangingPunct="0">
+              <a:lnSpc>
+                <a:spcPct val="100000"/>
+              </a:lnSpc>
+              <a:spcBef>
+                <a:spcPct val="0"/>
+              </a:spcBef>
+              <a:spcAft>
+                <a:spcPct val="0"/>
+              </a:spcAft>
+              <a:buClrTx/>
+              <a:buSzTx/>
+              <a:buFontTx/>
+              <a:buNone/>
+              <a:tabLst/>
+            </a:pPr>
+            <a:endParaRPr kumimoji="0" lang="en-US" altLang="en-US" sz="1800" b="0" i="0" u="none" strike="noStrike" cap="none" normalizeH="0" baseline="0">
+              <a:ln>
+                <a:noFill/>
+              </a:ln>
+              <a:solidFill>
+                <a:schemeClr val="tx1"/>
+              </a:solidFill>
+              <a:effectLst/>
+              <a:latin typeface="Arial" panose="020B0604020202020204" pitchFamily="34" charset="0"/>
+            </a:endParaRPr>
+          </a:p>
+        </p:txBody>
+      </p:sp>
     </p:spTree>
     <p:extLst>
       <p:ext uri="{BB962C8B-B14F-4D97-AF65-F5344CB8AC3E}">
@@ -4405,6 +6059,206 @@
           </a:p>
         </p:txBody>
       </p:sp>
+      <p:sp>
+        <p:nvSpPr>
+          <p:cNvPr id="3" name="Rectangle 1">
+            <a:extLst>
+              <a:ext uri="{FF2B5EF4-FFF2-40B4-BE49-F238E27FC236}">
+                <a16:creationId xmlns:a16="http://schemas.microsoft.com/office/drawing/2014/main" id="{8781ADEE-41B7-017B-27EC-FB82E01BD0A0}"/>
+              </a:ext>
+            </a:extLst>
+          </p:cNvPr>
+          <p:cNvSpPr>
+            <a:spLocks noChangeArrowheads="1"/>
+          </p:cNvSpPr>
+          <p:nvPr/>
+        </p:nvSpPr>
+        <p:spPr bwMode="auto">
+          <a:xfrm>
+            <a:off x="192505" y="4044024"/>
+            <a:ext cx="10385659" cy="1200329"/>
+          </a:xfrm>
+          <a:prstGeom prst="rect">
+            <a:avLst/>
+          </a:prstGeom>
+          <a:noFill/>
+          <a:ln>
+            <a:noFill/>
+          </a:ln>
+          <a:effectLst/>
+          <a:extLst>
+            <a:ext uri="{909E8E84-426E-40DD-AFC4-6F175D3DCCD1}">
+              <a14:hiddenFill xmlns:a14="http://schemas.microsoft.com/office/drawing/2010/main">
+                <a:solidFill>
+                  <a:schemeClr val="accent1"/>
+                </a:solidFill>
+              </a14:hiddenFill>
+            </a:ext>
+            <a:ext uri="{91240B29-F687-4F45-9708-019B960494DF}">
+              <a14:hiddenLine xmlns:a14="http://schemas.microsoft.com/office/drawing/2010/main" w="9525">
+                <a:solidFill>
+                  <a:schemeClr val="tx1"/>
+                </a:solidFill>
+                <a:miter lim="800000"/>
+                <a:headEnd/>
+                <a:tailEnd/>
+              </a14:hiddenLine>
+            </a:ext>
+            <a:ext uri="{AF507438-7753-43E0-B8FC-AC1667EBCBE1}">
+              <a14:hiddenEffects xmlns:a14="http://schemas.microsoft.com/office/drawing/2010/main">
+                <a:effectLst>
+                  <a:outerShdw dist="35921" dir="2700000" algn="ctr" rotWithShape="0">
+                    <a:schemeClr val="bg2"/>
+                  </a:outerShdw>
+                </a:effectLst>
+              </a14:hiddenEffects>
+            </a:ext>
+          </a:extLst>
+        </p:spPr>
+        <p:txBody>
+          <a:bodyPr vert="horz" wrap="square" lIns="91440" tIns="45720" rIns="91440" bIns="45720" numCol="1" anchor="ctr" anchorCtr="0" compatLnSpc="1">
+            <a:prstTxWarp prst="textNoShape">
+              <a:avLst/>
+            </a:prstTxWarp>
+            <a:spAutoFit/>
+          </a:bodyPr>
+          <a:lstStyle/>
+          <a:p>
+            <a:pPr marL="0" marR="0" lvl="0" indent="0" algn="l" defTabSz="914400" rtl="0" eaLnBrk="0" fontAlgn="base" latinLnBrk="0" hangingPunct="0">
+              <a:lnSpc>
+                <a:spcPct val="100000"/>
+              </a:lnSpc>
+              <a:spcBef>
+                <a:spcPct val="0"/>
+              </a:spcBef>
+              <a:spcAft>
+                <a:spcPct val="0"/>
+              </a:spcAft>
+              <a:buClrTx/>
+              <a:buSzTx/>
+              <a:buFontTx/>
+              <a:buChar char="•"/>
+              <a:tabLst/>
+            </a:pPr>
+            <a:r>
+              <a:rPr kumimoji="0" lang="en-US" altLang="en-US" sz="1800" b="1" i="0" u="none" strike="noStrike" cap="none" normalizeH="0" baseline="0">
+                <a:ln>
+                  <a:noFill/>
+                </a:ln>
+                <a:solidFill>
+                  <a:schemeClr val="tx1"/>
+                </a:solidFill>
+                <a:effectLst/>
+                <a:latin typeface="Arial" panose="020B0604020202020204" pitchFamily="34" charset="0"/>
+              </a:rPr>
+              <a:t>Slide 4</a:t>
+            </a:r>
+            <a:r>
+              <a:rPr kumimoji="0" lang="en-US" altLang="en-US" sz="1800" b="0" i="0" u="none" strike="noStrike" cap="none" normalizeH="0" baseline="0">
+                <a:ln>
+                  <a:noFill/>
+                </a:ln>
+                <a:solidFill>
+                  <a:schemeClr val="tx1"/>
+                </a:solidFill>
+                <a:effectLst/>
+                <a:latin typeface="Arial" panose="020B0604020202020204" pitchFamily="34" charset="0"/>
+              </a:rPr>
+              <a:t>: Prétraitement des Données</a:t>
+            </a:r>
+          </a:p>
+          <a:p>
+            <a:pPr marL="0" marR="0" lvl="0" indent="0" algn="l" defTabSz="914400" rtl="0" eaLnBrk="0" fontAlgn="base" latinLnBrk="0" hangingPunct="0">
+              <a:lnSpc>
+                <a:spcPct val="100000"/>
+              </a:lnSpc>
+              <a:spcBef>
+                <a:spcPct val="0"/>
+              </a:spcBef>
+              <a:spcAft>
+                <a:spcPct val="0"/>
+              </a:spcAft>
+              <a:buClrTx/>
+              <a:buSzTx/>
+              <a:buFontTx/>
+              <a:buChar char="•"/>
+              <a:tabLst/>
+            </a:pPr>
+            <a:r>
+              <a:rPr kumimoji="0" lang="en-US" altLang="en-US" sz="1800" b="0" i="0" u="none" strike="noStrike" cap="none" normalizeH="0" baseline="0">
+                <a:ln>
+                  <a:noFill/>
+                </a:ln>
+                <a:solidFill>
+                  <a:schemeClr val="tx1"/>
+                </a:solidFill>
+                <a:effectLst/>
+                <a:latin typeface="Arial" panose="020B0604020202020204" pitchFamily="34" charset="0"/>
+              </a:rPr>
+              <a:t>Liste des étapes principales du prétraitement.</a:t>
+            </a:r>
+          </a:p>
+          <a:p>
+            <a:pPr marL="0" marR="0" lvl="0" indent="0" algn="l" defTabSz="914400" rtl="0" eaLnBrk="0" fontAlgn="base" latinLnBrk="0" hangingPunct="0">
+              <a:lnSpc>
+                <a:spcPct val="100000"/>
+              </a:lnSpc>
+              <a:spcBef>
+                <a:spcPct val="0"/>
+              </a:spcBef>
+              <a:spcAft>
+                <a:spcPct val="0"/>
+              </a:spcAft>
+              <a:buClrTx/>
+              <a:buSzTx/>
+              <a:buFontTx/>
+              <a:buChar char="•"/>
+              <a:tabLst/>
+            </a:pPr>
+            <a:r>
+              <a:rPr kumimoji="0" lang="en-US" altLang="en-US" sz="1800" b="0" i="0" u="none" strike="noStrike" cap="none" normalizeH="0" baseline="0">
+                <a:ln>
+                  <a:noFill/>
+                </a:ln>
+                <a:solidFill>
+                  <a:schemeClr val="tx1"/>
+                </a:solidFill>
+                <a:effectLst/>
+                <a:latin typeface="Arial" panose="020B0604020202020204" pitchFamily="34" charset="0"/>
+              </a:rPr>
+              <a:t>Illustration ou schéma montrant l'effet du SMOTE.</a:t>
+            </a:r>
+          </a:p>
+          <a:p>
+            <a:pPr marL="0" marR="0" lvl="0" indent="0" algn="l" defTabSz="914400" rtl="0" eaLnBrk="0" fontAlgn="base" latinLnBrk="0" hangingPunct="0">
+              <a:lnSpc>
+                <a:spcPct val="100000"/>
+              </a:lnSpc>
+              <a:spcBef>
+                <a:spcPct val="0"/>
+              </a:spcBef>
+              <a:spcAft>
+                <a:spcPct val="0"/>
+              </a:spcAft>
+              <a:buClrTx/>
+              <a:buSzTx/>
+              <a:buFontTx/>
+              <a:buNone/>
+              <a:tabLst/>
+            </a:pPr>
+            <a:endParaRPr kumimoji="0" lang="en-US" altLang="en-US" sz="1800" b="0" i="0" u="none" strike="noStrike" cap="none" normalizeH="0" baseline="0">
+              <a:ln>
+                <a:noFill/>
+              </a:ln>
+              <a:solidFill>
+                <a:schemeClr val="tx1"/>
+              </a:solidFill>
+              <a:effectLst/>
+              <a:latin typeface="Arial" panose="020B0604020202020204" pitchFamily="34" charset="0"/>
+            </a:endParaRPr>
+          </a:p>
+        </p:txBody>
+      </p:sp>
     </p:spTree>
     <p:extLst>
       <p:ext uri="{BB962C8B-B14F-4D97-AF65-F5344CB8AC3E}">
@@ -4446,6 +6300,69 @@
           <a:chExt cx="0" cy="0"/>
         </a:xfrm>
       </p:grpSpPr>
+      <p:sp>
+        <p:nvSpPr>
+          <p:cNvPr id="3" name="TextBox 2">
+            <a:extLst>
+              <a:ext uri="{FF2B5EF4-FFF2-40B4-BE49-F238E27FC236}">
+                <a16:creationId xmlns:a16="http://schemas.microsoft.com/office/drawing/2014/main" id="{1AE6694C-8413-E995-6154-291D6FF618DE}"/>
+              </a:ext>
+            </a:extLst>
+          </p:cNvPr>
+          <p:cNvSpPr txBox="1"/>
+          <p:nvPr/>
+        </p:nvSpPr>
+        <p:spPr>
+          <a:xfrm>
+            <a:off x="796491" y="1150566"/>
+            <a:ext cx="6097604" cy="1200329"/>
+          </a:xfrm>
+          <a:prstGeom prst="rect">
+            <a:avLst/>
+          </a:prstGeom>
+          <a:noFill/>
+        </p:spPr>
+        <p:txBody>
+          <a:bodyPr wrap="square">
+            <a:spAutoFit/>
+          </a:bodyPr>
+          <a:lstStyle/>
+          <a:p>
+            <a:pPr>
+              <a:buFont typeface="Arial" panose="020B0604020202020204" pitchFamily="34" charset="0"/>
+              <a:buChar char="•"/>
+            </a:pPr>
+            <a:r>
+              <a:rPr lang="fr-FR" b="1" dirty="0"/>
+              <a:t>Slide 5</a:t>
+            </a:r>
+            <a:r>
+              <a:rPr lang="fr-FR" dirty="0"/>
+              <a:t>: Sélection des Caractéristiques</a:t>
+            </a:r>
+          </a:p>
+          <a:p>
+            <a:pPr>
+              <a:buFont typeface="Arial" panose="020B0604020202020204" pitchFamily="34" charset="0"/>
+              <a:buChar char="•"/>
+            </a:pPr>
+            <a:r>
+              <a:rPr lang="fr-FR" dirty="0"/>
+              <a:t>Graphique ou tableau montrant le processus de sélection des caractéristiques.</a:t>
+            </a:r>
+          </a:p>
+          <a:p>
+            <a:pPr>
+              <a:buFont typeface="Arial" panose="020B0604020202020204" pitchFamily="34" charset="0"/>
+              <a:buChar char="•"/>
+            </a:pPr>
+            <a:r>
+              <a:rPr lang="fr-FR" dirty="0"/>
+              <a:t>Explication de l'impact de la réduction des caractéristiques</a:t>
+            </a:r>
+          </a:p>
+        </p:txBody>
+      </p:sp>
     </p:spTree>
     <p:extLst>
       <p:ext uri="{BB962C8B-B14F-4D97-AF65-F5344CB8AC3E}">
@@ -4487,6 +6404,69 @@
           <a:chExt cx="0" cy="0"/>
         </a:xfrm>
       </p:grpSpPr>
+      <p:sp>
+        <p:nvSpPr>
+          <p:cNvPr id="3" name="TextBox 2">
+            <a:extLst>
+              <a:ext uri="{FF2B5EF4-FFF2-40B4-BE49-F238E27FC236}">
+                <a16:creationId xmlns:a16="http://schemas.microsoft.com/office/drawing/2014/main" id="{CAD9C84C-6086-1D0F-B39D-6C7C3F61B23D}"/>
+              </a:ext>
+            </a:extLst>
+          </p:cNvPr>
+          <p:cNvSpPr txBox="1"/>
+          <p:nvPr/>
+        </p:nvSpPr>
+        <p:spPr>
+          <a:xfrm>
+            <a:off x="3147460" y="2483318"/>
+            <a:ext cx="5998945" cy="923330"/>
+          </a:xfrm>
+          <a:prstGeom prst="rect">
+            <a:avLst/>
+          </a:prstGeom>
+          <a:noFill/>
+        </p:spPr>
+        <p:txBody>
+          <a:bodyPr wrap="square">
+            <a:spAutoFit/>
+          </a:bodyPr>
+          <a:lstStyle/>
+          <a:p>
+            <a:pPr>
+              <a:buFont typeface="Arial" panose="020B0604020202020204" pitchFamily="34" charset="0"/>
+              <a:buChar char="•"/>
+            </a:pPr>
+            <a:r>
+              <a:rPr lang="fr-FR" b="1" dirty="0"/>
+              <a:t>Slide 6</a:t>
+            </a:r>
+            <a:r>
+              <a:rPr lang="fr-FR" dirty="0"/>
+              <a:t>: Division des Données et Entraînement</a:t>
+            </a:r>
+          </a:p>
+          <a:p>
+            <a:pPr>
+              <a:buFont typeface="Arial" panose="020B0604020202020204" pitchFamily="34" charset="0"/>
+              <a:buChar char="•"/>
+            </a:pPr>
+            <a:r>
+              <a:rPr lang="fr-FR" dirty="0"/>
+              <a:t>Schéma illustrant la division des données.</a:t>
+            </a:r>
+          </a:p>
+          <a:p>
+            <a:pPr>
+              <a:buFont typeface="Arial" panose="020B0604020202020204" pitchFamily="34" charset="0"/>
+              <a:buChar char="•"/>
+            </a:pPr>
+            <a:r>
+              <a:rPr lang="fr-FR" dirty="0"/>
+              <a:t>Brève présentation des trois modèles et justification du choix</a:t>
+            </a:r>
+          </a:p>
+        </p:txBody>
+      </p:sp>
     </p:spTree>
     <p:extLst>
       <p:ext uri="{BB962C8B-B14F-4D97-AF65-F5344CB8AC3E}">
@@ -4528,6 +6508,206 @@
           <a:chExt cx="0" cy="0"/>
         </a:xfrm>
       </p:grpSpPr>
+      <p:sp>
+        <p:nvSpPr>
+          <p:cNvPr id="2" name="Rectangle 1">
+            <a:extLst>
+              <a:ext uri="{FF2B5EF4-FFF2-40B4-BE49-F238E27FC236}">
+                <a16:creationId xmlns:a16="http://schemas.microsoft.com/office/drawing/2014/main" id="{E68DCF88-B7B1-B369-ABDB-AE773EF908A7}"/>
+              </a:ext>
+            </a:extLst>
+          </p:cNvPr>
+          <p:cNvSpPr>
+            <a:spLocks noChangeArrowheads="1"/>
+          </p:cNvSpPr>
+          <p:nvPr/>
+        </p:nvSpPr>
+        <p:spPr bwMode="auto">
+          <a:xfrm>
+            <a:off x="1193533" y="2228671"/>
+            <a:ext cx="8239225" cy="1200329"/>
+          </a:xfrm>
+          <a:prstGeom prst="rect">
+            <a:avLst/>
+          </a:prstGeom>
+          <a:noFill/>
+          <a:ln>
+            <a:noFill/>
+          </a:ln>
+          <a:effectLst/>
+          <a:extLst>
+            <a:ext uri="{909E8E84-426E-40DD-AFC4-6F175D3DCCD1}">
+              <a14:hiddenFill xmlns:a14="http://schemas.microsoft.com/office/drawing/2010/main">
+                <a:solidFill>
+                  <a:schemeClr val="accent1"/>
+                </a:solidFill>
+              </a14:hiddenFill>
+            </a:ext>
+            <a:ext uri="{91240B29-F687-4F45-9708-019B960494DF}">
+              <a14:hiddenLine xmlns:a14="http://schemas.microsoft.com/office/drawing/2010/main" w="9525">
+                <a:solidFill>
+                  <a:schemeClr val="tx1"/>
+                </a:solidFill>
+                <a:miter lim="800000"/>
+                <a:headEnd/>
+                <a:tailEnd/>
+              </a14:hiddenLine>
+            </a:ext>
+            <a:ext uri="{AF507438-7753-43E0-B8FC-AC1667EBCBE1}">
+              <a14:hiddenEffects xmlns:a14="http://schemas.microsoft.com/office/drawing/2010/main">
+                <a:effectLst>
+                  <a:outerShdw dist="35921" dir="2700000" algn="ctr" rotWithShape="0">
+                    <a:schemeClr val="bg2"/>
+                  </a:outerShdw>
+                </a:effectLst>
+              </a14:hiddenEffects>
+            </a:ext>
+          </a:extLst>
+        </p:spPr>
+        <p:txBody>
+          <a:bodyPr vert="horz" wrap="square" lIns="91440" tIns="45720" rIns="91440" bIns="45720" numCol="1" anchor="ctr" anchorCtr="0" compatLnSpc="1">
+            <a:prstTxWarp prst="textNoShape">
+              <a:avLst/>
+            </a:prstTxWarp>
+            <a:spAutoFit/>
+          </a:bodyPr>
+          <a:lstStyle/>
+          <a:p>
+            <a:pPr marL="0" marR="0" lvl="0" indent="0" algn="l" defTabSz="914400" rtl="0" eaLnBrk="0" fontAlgn="base" latinLnBrk="0" hangingPunct="0">
+              <a:lnSpc>
+                <a:spcPct val="100000"/>
+              </a:lnSpc>
+              <a:spcBef>
+                <a:spcPct val="0"/>
+              </a:spcBef>
+              <a:spcAft>
+                <a:spcPct val="0"/>
+              </a:spcAft>
+              <a:buClrTx/>
+              <a:buSzTx/>
+              <a:buFontTx/>
+              <a:buChar char="•"/>
+              <a:tabLst/>
+            </a:pPr>
+            <a:r>
+              <a:rPr kumimoji="0" lang="en-US" altLang="en-US" sz="1800" b="1" i="0" u="none" strike="noStrike" cap="none" normalizeH="0" baseline="0">
+                <a:ln>
+                  <a:noFill/>
+                </a:ln>
+                <a:solidFill>
+                  <a:schemeClr val="tx1"/>
+                </a:solidFill>
+                <a:effectLst/>
+                <a:latin typeface="Arial" panose="020B0604020202020204" pitchFamily="34" charset="0"/>
+              </a:rPr>
+              <a:t>Slide 7</a:t>
+            </a:r>
+            <a:r>
+              <a:rPr kumimoji="0" lang="en-US" altLang="en-US" sz="1800" b="0" i="0" u="none" strike="noStrike" cap="none" normalizeH="0" baseline="0">
+                <a:ln>
+                  <a:noFill/>
+                </a:ln>
+                <a:solidFill>
+                  <a:schemeClr val="tx1"/>
+                </a:solidFill>
+                <a:effectLst/>
+                <a:latin typeface="Arial" panose="020B0604020202020204" pitchFamily="34" charset="0"/>
+              </a:rPr>
+              <a:t>: Performances de LightGBM</a:t>
+            </a:r>
+          </a:p>
+          <a:p>
+            <a:pPr marL="0" marR="0" lvl="0" indent="0" algn="l" defTabSz="914400" rtl="0" eaLnBrk="0" fontAlgn="base" latinLnBrk="0" hangingPunct="0">
+              <a:lnSpc>
+                <a:spcPct val="100000"/>
+              </a:lnSpc>
+              <a:spcBef>
+                <a:spcPct val="0"/>
+              </a:spcBef>
+              <a:spcAft>
+                <a:spcPct val="0"/>
+              </a:spcAft>
+              <a:buClrTx/>
+              <a:buSzTx/>
+              <a:buFontTx/>
+              <a:buChar char="•"/>
+              <a:tabLst/>
+            </a:pPr>
+            <a:r>
+              <a:rPr kumimoji="0" lang="en-US" altLang="en-US" sz="1800" b="0" i="0" u="none" strike="noStrike" cap="none" normalizeH="0" baseline="0">
+                <a:ln>
+                  <a:noFill/>
+                </a:ln>
+                <a:solidFill>
+                  <a:schemeClr val="tx1"/>
+                </a:solidFill>
+                <a:effectLst/>
+                <a:latin typeface="Arial" panose="020B0604020202020204" pitchFamily="34" charset="0"/>
+              </a:rPr>
+              <a:t>Tableau résumant les meilleurs paramètres de LightGBM.</a:t>
+            </a:r>
+          </a:p>
+          <a:p>
+            <a:pPr marL="0" marR="0" lvl="0" indent="0" algn="l" defTabSz="914400" rtl="0" eaLnBrk="0" fontAlgn="base" latinLnBrk="0" hangingPunct="0">
+              <a:lnSpc>
+                <a:spcPct val="100000"/>
+              </a:lnSpc>
+              <a:spcBef>
+                <a:spcPct val="0"/>
+              </a:spcBef>
+              <a:spcAft>
+                <a:spcPct val="0"/>
+              </a:spcAft>
+              <a:buClrTx/>
+              <a:buSzTx/>
+              <a:buFontTx/>
+              <a:buChar char="•"/>
+              <a:tabLst/>
+            </a:pPr>
+            <a:r>
+              <a:rPr kumimoji="0" lang="en-US" altLang="en-US" sz="1800" b="0" i="0" u="none" strike="noStrike" cap="none" normalizeH="0" baseline="0">
+                <a:ln>
+                  <a:noFill/>
+                </a:ln>
+                <a:solidFill>
+                  <a:schemeClr val="tx1"/>
+                </a:solidFill>
+                <a:effectLst/>
+                <a:latin typeface="Arial" panose="020B0604020202020204" pitchFamily="34" charset="0"/>
+              </a:rPr>
+              <a:t>Graphiques de performance (ROC AUC, précision).</a:t>
+            </a:r>
+          </a:p>
+          <a:p>
+            <a:pPr marL="0" marR="0" lvl="0" indent="0" algn="l" defTabSz="914400" rtl="0" eaLnBrk="0" fontAlgn="base" latinLnBrk="0" hangingPunct="0">
+              <a:lnSpc>
+                <a:spcPct val="100000"/>
+              </a:lnSpc>
+              <a:spcBef>
+                <a:spcPct val="0"/>
+              </a:spcBef>
+              <a:spcAft>
+                <a:spcPct val="0"/>
+              </a:spcAft>
+              <a:buClrTx/>
+              <a:buSzTx/>
+              <a:buFontTx/>
+              <a:buNone/>
+              <a:tabLst/>
+            </a:pPr>
+            <a:endParaRPr kumimoji="0" lang="en-US" altLang="en-US" sz="1800" b="0" i="0" u="none" strike="noStrike" cap="none" normalizeH="0" baseline="0">
+              <a:ln>
+                <a:noFill/>
+              </a:ln>
+              <a:solidFill>
+                <a:schemeClr val="tx1"/>
+              </a:solidFill>
+              <a:effectLst/>
+              <a:latin typeface="Arial" panose="020B0604020202020204" pitchFamily="34" charset="0"/>
+            </a:endParaRPr>
+          </a:p>
+        </p:txBody>
+      </p:sp>
     </p:spTree>
     <p:extLst>
       <p:ext uri="{BB962C8B-B14F-4D97-AF65-F5344CB8AC3E}">
@@ -4623,6 +6803,61 @@
           </a:p>
         </p:txBody>
       </p:sp>
+      <p:sp>
+        <p:nvSpPr>
+          <p:cNvPr id="4" name="TextBox 3">
+            <a:extLst>
+              <a:ext uri="{FF2B5EF4-FFF2-40B4-BE49-F238E27FC236}">
+                <a16:creationId xmlns:a16="http://schemas.microsoft.com/office/drawing/2014/main" id="{F81132B7-071F-96E1-0E05-0B046372D33F}"/>
+              </a:ext>
+            </a:extLst>
+          </p:cNvPr>
+          <p:cNvSpPr txBox="1"/>
+          <p:nvPr/>
+        </p:nvSpPr>
+        <p:spPr>
+          <a:xfrm>
+            <a:off x="1614638" y="4044025"/>
+            <a:ext cx="6097604" cy="1200329"/>
+          </a:xfrm>
+          <a:prstGeom prst="rect">
+            <a:avLst/>
+          </a:prstGeom>
+          <a:noFill/>
+        </p:spPr>
+        <p:txBody>
+          <a:bodyPr wrap="square">
+            <a:spAutoFit/>
+          </a:bodyPr>
+          <a:lstStyle/>
+          <a:p>
+            <a:r>
+              <a:rPr lang="fr-FR" b="1" dirty="0"/>
+              <a:t>Slide 8: Fonction Coût Métier et Détermination du Seuil</a:t>
+            </a:r>
+          </a:p>
+          <a:p>
+            <a:pPr>
+              <a:buFont typeface="Arial" panose="020B0604020202020204" pitchFamily="34" charset="0"/>
+              <a:buChar char="•"/>
+            </a:pPr>
+            <a:r>
+              <a:rPr lang="fr-FR" dirty="0"/>
+              <a:t>Diagramme expliquant la fonction de coût.</a:t>
+            </a:r>
+          </a:p>
+          <a:p>
+            <a:pPr>
+              <a:buFont typeface="Arial" panose="020B0604020202020204" pitchFamily="34" charset="0"/>
+              <a:buChar char="•"/>
+            </a:pPr>
+            <a:r>
+              <a:rPr lang="fr-FR" dirty="0"/>
+              <a:t>Graphique montrant l'impact du choix du seuil sur les faux négatifs/positifs.</a:t>
+            </a:r>
+          </a:p>
+        </p:txBody>
+      </p:sp>
     </p:spTree>
     <p:extLst>
       <p:ext uri="{BB962C8B-B14F-4D97-AF65-F5344CB8AC3E}">
@@ -4736,6 +6971,175 @@
                 <a:srgbClr val="D1D5DB"/>
               </a:solidFill>
               <a:latin typeface="Söhne"/>
+            </a:endParaRPr>
+          </a:p>
+        </p:txBody>
+      </p:sp>
+      <p:sp>
+        <p:nvSpPr>
+          <p:cNvPr id="3" name="Rectangle 1">
+            <a:extLst>
+              <a:ext uri="{FF2B5EF4-FFF2-40B4-BE49-F238E27FC236}">
+                <a16:creationId xmlns:a16="http://schemas.microsoft.com/office/drawing/2014/main" id="{EEAA589B-7D0C-9371-76C7-E5264D68A11C}"/>
+              </a:ext>
+            </a:extLst>
+          </p:cNvPr>
+          <p:cNvSpPr>
+            <a:spLocks noChangeArrowheads="1"/>
+          </p:cNvSpPr>
+          <p:nvPr/>
+        </p:nvSpPr>
+        <p:spPr bwMode="auto">
+          <a:xfrm>
+            <a:off x="596766" y="4495345"/>
+            <a:ext cx="9230627" cy="923330"/>
+          </a:xfrm>
+          <a:prstGeom prst="rect">
+            <a:avLst/>
+          </a:prstGeom>
+          <a:noFill/>
+          <a:ln>
+            <a:noFill/>
+          </a:ln>
+          <a:effectLst/>
+          <a:extLst>
+            <a:ext uri="{909E8E84-426E-40DD-AFC4-6F175D3DCCD1}">
+              <a14:hiddenFill xmlns:a14="http://schemas.microsoft.com/office/drawing/2010/main">
+                <a:solidFill>
+                  <a:schemeClr val="accent1"/>
+                </a:solidFill>
+              </a14:hiddenFill>
+            </a:ext>
+            <a:ext uri="{91240B29-F687-4F45-9708-019B960494DF}">
+              <a14:hiddenLine xmlns:a14="http://schemas.microsoft.com/office/drawing/2010/main" w="9525">
+                <a:solidFill>
+                  <a:schemeClr val="tx1"/>
+                </a:solidFill>
+                <a:miter lim="800000"/>
+                <a:headEnd/>
+                <a:tailEnd/>
+              </a14:hiddenLine>
+            </a:ext>
+            <a:ext uri="{AF507438-7753-43E0-B8FC-AC1667EBCBE1}">
+              <a14:hiddenEffects xmlns:a14="http://schemas.microsoft.com/office/drawing/2010/main">
+                <a:effectLst>
+                  <a:outerShdw dist="35921" dir="2700000" algn="ctr" rotWithShape="0">
+                    <a:schemeClr val="bg2"/>
+                  </a:outerShdw>
+                </a:effectLst>
+              </a14:hiddenEffects>
+            </a:ext>
+          </a:extLst>
+        </p:spPr>
+        <p:txBody>
+          <a:bodyPr vert="horz" wrap="square" lIns="91440" tIns="45720" rIns="91440" bIns="45720" numCol="1" anchor="ctr" anchorCtr="0" compatLnSpc="1">
+            <a:prstTxWarp prst="textNoShape">
+              <a:avLst/>
+            </a:prstTxWarp>
+            <a:spAutoFit/>
+          </a:bodyPr>
+          <a:lstStyle/>
+          <a:p>
+            <a:pPr marL="0" marR="0" lvl="0" indent="0" algn="l" defTabSz="914400" rtl="0" eaLnBrk="0" fontAlgn="base" latinLnBrk="0" hangingPunct="0">
+              <a:lnSpc>
+                <a:spcPct val="100000"/>
+              </a:lnSpc>
+              <a:spcBef>
+                <a:spcPct val="0"/>
+              </a:spcBef>
+              <a:spcAft>
+                <a:spcPct val="0"/>
+              </a:spcAft>
+              <a:buClrTx/>
+              <a:buSzTx/>
+              <a:buFontTx/>
+              <a:buChar char="•"/>
+              <a:tabLst/>
+            </a:pPr>
+            <a:r>
+              <a:rPr kumimoji="0" lang="en-US" altLang="en-US" sz="1800" b="1" i="0" u="none" strike="noStrike" cap="none" normalizeH="0" baseline="0">
+                <a:ln>
+                  <a:noFill/>
+                </a:ln>
+                <a:solidFill>
+                  <a:schemeClr val="tx1"/>
+                </a:solidFill>
+                <a:effectLst/>
+                <a:latin typeface="Arial" panose="020B0604020202020204" pitchFamily="34" charset="0"/>
+              </a:rPr>
+              <a:t>Slide 9</a:t>
+            </a:r>
+            <a:r>
+              <a:rPr kumimoji="0" lang="en-US" altLang="en-US" sz="1800" b="0" i="0" u="none" strike="noStrike" cap="none" normalizeH="0" baseline="0">
+                <a:ln>
+                  <a:noFill/>
+                </a:ln>
+                <a:solidFill>
+                  <a:schemeClr val="tx1"/>
+                </a:solidFill>
+                <a:effectLst/>
+                <a:latin typeface="Arial" panose="020B0604020202020204" pitchFamily="34" charset="0"/>
+              </a:rPr>
+              <a:t>: Summary Plot</a:t>
+            </a:r>
+          </a:p>
+          <a:p>
+            <a:pPr marL="0" marR="0" lvl="0" indent="0" algn="l" defTabSz="914400" rtl="0" eaLnBrk="0" fontAlgn="base" latinLnBrk="0" hangingPunct="0">
+              <a:lnSpc>
+                <a:spcPct val="100000"/>
+              </a:lnSpc>
+              <a:spcBef>
+                <a:spcPct val="0"/>
+              </a:spcBef>
+              <a:spcAft>
+                <a:spcPct val="0"/>
+              </a:spcAft>
+              <a:buClrTx/>
+              <a:buSzTx/>
+              <a:buFontTx/>
+              <a:buChar char="•"/>
+              <a:tabLst/>
+            </a:pPr>
+            <a:r>
+              <a:rPr kumimoji="0" lang="en-US" altLang="en-US" sz="1800" b="0" i="0" u="none" strike="noStrike" cap="none" normalizeH="0" baseline="0">
+                <a:ln>
+                  <a:noFill/>
+                </a:ln>
+                <a:solidFill>
+                  <a:schemeClr val="tx1"/>
+                </a:solidFill>
+                <a:effectLst/>
+                <a:latin typeface="Arial" panose="020B0604020202020204" pitchFamily="34" charset="0"/>
+              </a:rPr>
+              <a:t>Un summary plot détaillé avec des explications sur les principales caractéristiques.</a:t>
+            </a:r>
+          </a:p>
+          <a:p>
+            <a:pPr marL="0" marR="0" lvl="0" indent="0" algn="l" defTabSz="914400" rtl="0" eaLnBrk="0" fontAlgn="base" latinLnBrk="0" hangingPunct="0">
+              <a:lnSpc>
+                <a:spcPct val="100000"/>
+              </a:lnSpc>
+              <a:spcBef>
+                <a:spcPct val="0"/>
+              </a:spcBef>
+              <a:spcAft>
+                <a:spcPct val="0"/>
+              </a:spcAft>
+              <a:buClrTx/>
+              <a:buSzTx/>
+              <a:buFontTx/>
+              <a:buNone/>
+              <a:tabLst/>
+            </a:pPr>
+            <a:endParaRPr kumimoji="0" lang="en-US" altLang="en-US" sz="1800" b="0" i="0" u="none" strike="noStrike" cap="none" normalizeH="0" baseline="0">
+              <a:ln>
+                <a:noFill/>
+              </a:ln>
+              <a:solidFill>
+                <a:schemeClr val="tx1"/>
+              </a:solidFill>
+              <a:effectLst/>
+              <a:latin typeface="Arial" panose="020B0604020202020204" pitchFamily="34" charset="0"/>
             </a:endParaRPr>
           </a:p>
         </p:txBody>
